--- a/python_ppt_2023/Python 3장. 제어문(조건, 반복).pptx
+++ b/python_ppt_2023/Python 3장. 제어문(조건, 반복).pptx
@@ -5,7 +5,7 @@
     <p:sldMasterId id="2147483648" r:id="rId1"/>
   </p:sldMasterIdLst>
   <p:notesMasterIdLst>
-    <p:notesMasterId r:id="rId38"/>
+    <p:notesMasterId r:id="rId39"/>
   </p:notesMasterIdLst>
   <p:sldIdLst>
     <p:sldId id="256" r:id="rId2"/>
@@ -28,22 +28,23 @@
     <p:sldId id="332" r:id="rId19"/>
     <p:sldId id="333" r:id="rId20"/>
     <p:sldId id="323" r:id="rId21"/>
-    <p:sldId id="315" r:id="rId22"/>
-    <p:sldId id="335" r:id="rId23"/>
-    <p:sldId id="344" r:id="rId24"/>
-    <p:sldId id="348" r:id="rId25"/>
-    <p:sldId id="349" r:id="rId26"/>
-    <p:sldId id="317" r:id="rId27"/>
-    <p:sldId id="334" r:id="rId28"/>
-    <p:sldId id="330" r:id="rId29"/>
-    <p:sldId id="331" r:id="rId30"/>
-    <p:sldId id="318" r:id="rId31"/>
-    <p:sldId id="340" r:id="rId32"/>
-    <p:sldId id="320" r:id="rId33"/>
-    <p:sldId id="339" r:id="rId34"/>
-    <p:sldId id="345" r:id="rId35"/>
-    <p:sldId id="346" r:id="rId36"/>
-    <p:sldId id="329" r:id="rId37"/>
+    <p:sldId id="350" r:id="rId22"/>
+    <p:sldId id="315" r:id="rId23"/>
+    <p:sldId id="335" r:id="rId24"/>
+    <p:sldId id="344" r:id="rId25"/>
+    <p:sldId id="348" r:id="rId26"/>
+    <p:sldId id="349" r:id="rId27"/>
+    <p:sldId id="317" r:id="rId28"/>
+    <p:sldId id="334" r:id="rId29"/>
+    <p:sldId id="330" r:id="rId30"/>
+    <p:sldId id="331" r:id="rId31"/>
+    <p:sldId id="318" r:id="rId32"/>
+    <p:sldId id="340" r:id="rId33"/>
+    <p:sldId id="320" r:id="rId34"/>
+    <p:sldId id="339" r:id="rId35"/>
+    <p:sldId id="345" r:id="rId36"/>
+    <p:sldId id="346" r:id="rId37"/>
+    <p:sldId id="329" r:id="rId38"/>
   </p:sldIdLst>
   <p:sldSz cx="9906000" cy="6858000" type="A4"/>
   <p:notesSz cx="6858000" cy="9144000"/>
@@ -243,7 +244,7 @@
           <a:p>
             <a:fld id="{7665CDAC-D627-4E87-877A-1B781DD4CADC}" type="datetimeFigureOut">
               <a:rPr lang="ko-KR" altLang="en-US" smtClean="0"/>
-              <a:t>2023-03-25</a:t>
+              <a:t>2023-04-01</a:t>
             </a:fld>
             <a:endParaRPr lang="ko-KR" altLang="en-US"/>
           </a:p>
@@ -655,7 +656,7 @@
           <a:p>
             <a:fld id="{C25BCFD5-C4DF-4EBC-B718-C69ED2FBDE6F}" type="datetime1">
               <a:rPr lang="ko-KR" altLang="en-US" smtClean="0"/>
-              <a:t>2023-03-25</a:t>
+              <a:t>2023-04-01</a:t>
             </a:fld>
             <a:endParaRPr lang="ko-KR" altLang="en-US"/>
           </a:p>
@@ -1106,7 +1107,7 @@
           <a:p>
             <a:fld id="{AB448CD7-D367-43D5-B461-ACE552E75063}" type="datetime1">
               <a:rPr lang="ko-KR" altLang="en-US" smtClean="0"/>
-              <a:t>2023-03-25</a:t>
+              <a:t>2023-04-01</a:t>
             </a:fld>
             <a:endParaRPr lang="ko-KR" altLang="en-US"/>
           </a:p>
@@ -1284,7 +1285,7 @@
           <a:p>
             <a:fld id="{B6E49E79-7361-4780-8BEF-7EDE3708298A}" type="datetime1">
               <a:rPr lang="ko-KR" altLang="en-US" smtClean="0"/>
-              <a:t>2023-03-25</a:t>
+              <a:t>2023-04-01</a:t>
             </a:fld>
             <a:endParaRPr lang="ko-KR" altLang="en-US"/>
           </a:p>
@@ -1456,7 +1457,7 @@
           <a:p>
             <a:fld id="{A4D42E3C-B70B-437C-85CF-1286301B9CBA}" type="datetime1">
               <a:rPr lang="ko-KR" altLang="en-US" smtClean="0"/>
-              <a:t>2023-03-25</a:t>
+              <a:t>2023-04-01</a:t>
             </a:fld>
             <a:endParaRPr lang="ko-KR" altLang="en-US"/>
           </a:p>
@@ -1708,7 +1709,7 @@
           <a:p>
             <a:fld id="{B3369A20-5B3D-4D98-A822-26B93D177A40}" type="datetime1">
               <a:rPr lang="ko-KR" altLang="en-US" smtClean="0"/>
-              <a:t>2023-03-25</a:t>
+              <a:t>2023-04-01</a:t>
             </a:fld>
             <a:endParaRPr lang="ko-KR" altLang="en-US"/>
           </a:p>
@@ -1993,7 +1994,7 @@
           <a:p>
             <a:fld id="{685CD4CE-9E43-4F70-A9D8-A2130CA7D92A}" type="datetime1">
               <a:rPr lang="ko-KR" altLang="en-US" smtClean="0"/>
-              <a:t>2023-03-25</a:t>
+              <a:t>2023-04-01</a:t>
             </a:fld>
             <a:endParaRPr lang="ko-KR" altLang="en-US"/>
           </a:p>
@@ -2419,7 +2420,7 @@
           <a:p>
             <a:fld id="{F752BD92-DA3E-4A0B-90C9-7DE5E15B6E96}" type="datetime1">
               <a:rPr lang="ko-KR" altLang="en-US" smtClean="0"/>
-              <a:t>2023-03-25</a:t>
+              <a:t>2023-04-01</a:t>
             </a:fld>
             <a:endParaRPr lang="ko-KR" altLang="en-US"/>
           </a:p>
@@ -2543,7 +2544,7 @@
           <a:p>
             <a:fld id="{8EA2B83A-F366-424E-B742-340ACF856BB5}" type="datetime1">
               <a:rPr lang="ko-KR" altLang="en-US" smtClean="0"/>
-              <a:t>2023-03-25</a:t>
+              <a:t>2023-04-01</a:t>
             </a:fld>
             <a:endParaRPr lang="ko-KR" altLang="en-US"/>
           </a:p>
@@ -2638,7 +2639,7 @@
           <a:p>
             <a:fld id="{9A49D68B-5DBD-48E9-A8D4-FCBC4B3DD9C6}" type="datetime1">
               <a:rPr lang="ko-KR" altLang="en-US" smtClean="0"/>
-              <a:t>2023-03-25</a:t>
+              <a:t>2023-04-01</a:t>
             </a:fld>
             <a:endParaRPr lang="ko-KR" altLang="en-US"/>
           </a:p>
@@ -2913,7 +2914,7 @@
           <a:p>
             <a:fld id="{4CAB534F-7D16-467B-9320-91F98915D181}" type="datetime1">
               <a:rPr lang="ko-KR" altLang="en-US" smtClean="0"/>
-              <a:t>2023-03-25</a:t>
+              <a:t>2023-04-01</a:t>
             </a:fld>
             <a:endParaRPr lang="ko-KR" altLang="en-US"/>
           </a:p>
@@ -3165,7 +3166,7 @@
           <a:p>
             <a:fld id="{A390A91F-2F8D-4486-A69D-D680F95444B0}" type="datetime1">
               <a:rPr lang="ko-KR" altLang="en-US" smtClean="0"/>
-              <a:t>2023-03-25</a:t>
+              <a:t>2023-04-01</a:t>
             </a:fld>
             <a:endParaRPr lang="ko-KR" altLang="en-US"/>
           </a:p>
@@ -3344,7 +3345,7 @@
           <a:p>
             <a:fld id="{2238BBEA-E8DD-414A-BF68-FC2AFA7CFF2D}" type="datetime1">
               <a:rPr lang="ko-KR" altLang="en-US" smtClean="0"/>
-              <a:t>2023-03-25</a:t>
+              <a:t>2023-04-01</a:t>
             </a:fld>
             <a:endParaRPr lang="ko-KR" altLang="en-US"/>
           </a:p>
@@ -9593,16 +9594,20 @@
               <a:t> </a:t>
             </a:r>
             <a:r>
-              <a:rPr lang="ko-KR" altLang="en-US" dirty="0" err="1"/>
-              <a:t>반복문</a:t>
-            </a:r>
-            <a:r>
-              <a:rPr lang="ko-KR" altLang="en-US" dirty="0"/>
+              <a:rPr lang="ko-KR" altLang="en-US" dirty="0" smtClean="0"/>
+              <a:t>반복 </a:t>
+            </a:r>
+            <a:r>
+              <a:rPr lang="ko-KR" altLang="en-US" dirty="0" err="1" smtClean="0"/>
+              <a:t>조건문</a:t>
+            </a:r>
+            <a:r>
+              <a:rPr lang="ko-KR" altLang="en-US" dirty="0" smtClean="0"/>
               <a:t> </a:t>
             </a:r>
             <a:r>
-              <a:rPr lang="en-US" altLang="ko-KR" dirty="0"/>
-              <a:t>- for</a:t>
+              <a:rPr lang="en-US" altLang="ko-KR" dirty="0" smtClean="0"/>
+              <a:t>– while ~ if</a:t>
             </a:r>
             <a:endParaRPr lang="ko-KR" altLang="en-US" dirty="0"/>
           </a:p>
@@ -9633,37 +9638,20 @@
       </p:sp>
       <p:sp>
         <p:nvSpPr>
-          <p:cNvPr id="11" name="TextBox 10"/>
+          <p:cNvPr id="7" name="TextBox 6"/>
           <p:cNvSpPr txBox="1"/>
           <p:nvPr/>
         </p:nvSpPr>
         <p:spPr>
           <a:xfrm>
-            <a:off x="1047962" y="1268760"/>
-            <a:ext cx="7217406" cy="1477328"/>
+            <a:off x="920551" y="1196752"/>
+            <a:ext cx="7932881" cy="494494"/>
           </a:xfrm>
           <a:prstGeom prst="rect">
             <a:avLst/>
           </a:prstGeom>
           <a:noFill/>
-          <a:ln>
-            <a:noFill/>
-          </a:ln>
-        </p:spPr>
-        <p:style>
-          <a:lnRef idx="1">
-            <a:schemeClr val="accent3"/>
-          </a:lnRef>
-          <a:fillRef idx="2">
-            <a:schemeClr val="accent3"/>
-          </a:fillRef>
-          <a:effectRef idx="1">
-            <a:schemeClr val="accent3"/>
-          </a:effectRef>
-          <a:fontRef idx="minor">
-            <a:schemeClr val="dk1"/>
-          </a:fontRef>
-        </p:style>
+        </p:spPr>
         <p:txBody>
           <a:bodyPr wrap="square" rtlCol="0">
             <a:spAutoFit/>
@@ -9676,251 +9664,32 @@
               </a:lnSpc>
             </a:pPr>
             <a:r>
-              <a:rPr lang="en-US" altLang="ko-KR" sz="2000" dirty="0" smtClean="0">
-                <a:latin typeface="휴먼엑스포" panose="02030504000101010101" pitchFamily="18" charset="-127"/>
-                <a:ea typeface="휴먼엑스포" panose="02030504000101010101" pitchFamily="18" charset="-127"/>
-              </a:rPr>
-              <a:t>  for</a:t>
-            </a:r>
-            <a:r>
-              <a:rPr lang="ko-KR" altLang="en-US" sz="2000" dirty="0" smtClean="0">
-                <a:latin typeface="휴먼엑스포" panose="02030504000101010101" pitchFamily="18" charset="-127"/>
-                <a:ea typeface="휴먼엑스포" panose="02030504000101010101" pitchFamily="18" charset="-127"/>
-              </a:rPr>
-              <a:t>문</a:t>
-            </a:r>
-            <a:endParaRPr lang="en-US" altLang="ko-KR" sz="2000" dirty="0" smtClean="0">
-              <a:latin typeface="휴먼엑스포" panose="02030504000101010101" pitchFamily="18" charset="-127"/>
-              <a:ea typeface="휴먼엑스포" panose="02030504000101010101" pitchFamily="18" charset="-127"/>
-            </a:endParaRPr>
-          </a:p>
-          <a:p>
-            <a:pPr>
-              <a:lnSpc>
-                <a:spcPct val="150000"/>
-              </a:lnSpc>
-            </a:pPr>
-            <a:r>
-              <a:rPr lang="ko-KR" altLang="en-US" sz="2000" dirty="0" smtClean="0">
-                <a:latin typeface="돋움체" panose="020B0609000101010101" pitchFamily="49" charset="-127"/>
-                <a:ea typeface="돋움체" panose="020B0609000101010101" pitchFamily="49" charset="-127"/>
-              </a:rPr>
-              <a:t>  순서열의 각 원소를 처음부터 순회하면서 반복변수에 담</a:t>
-            </a:r>
-            <a:endParaRPr lang="en-US" altLang="ko-KR" sz="2000" dirty="0" smtClean="0">
-              <a:latin typeface="돋움체" panose="020B0609000101010101" pitchFamily="49" charset="-127"/>
-              <a:ea typeface="돋움체" panose="020B0609000101010101" pitchFamily="49" charset="-127"/>
-            </a:endParaRPr>
-          </a:p>
-          <a:p>
-            <a:pPr>
-              <a:lnSpc>
-                <a:spcPct val="150000"/>
-              </a:lnSpc>
-            </a:pPr>
-            <a:r>
-              <a:rPr lang="en-US" altLang="ko-KR" sz="2000" dirty="0">
-                <a:latin typeface="돋움체" panose="020B0609000101010101" pitchFamily="49" charset="-127"/>
-                <a:ea typeface="돋움체" panose="020B0609000101010101" pitchFamily="49" charset="-127"/>
-              </a:rPr>
-              <a:t> </a:t>
-            </a:r>
-            <a:r>
-              <a:rPr lang="en-US" altLang="ko-KR" sz="2000" dirty="0" smtClean="0">
-                <a:latin typeface="돋움체" panose="020B0609000101010101" pitchFamily="49" charset="-127"/>
-                <a:ea typeface="돋움체" panose="020B0609000101010101" pitchFamily="49" charset="-127"/>
-              </a:rPr>
-              <a:t> </a:t>
-            </a:r>
-            <a:r>
-              <a:rPr lang="ko-KR" altLang="en-US" sz="2000" dirty="0" smtClean="0">
-                <a:latin typeface="돋움체" panose="020B0609000101010101" pitchFamily="49" charset="-127"/>
-                <a:ea typeface="돋움체" panose="020B0609000101010101" pitchFamily="49" charset="-127"/>
-              </a:rPr>
-              <a:t>아 낸다</a:t>
-            </a:r>
-            <a:r>
-              <a:rPr lang="en-US" altLang="ko-KR" sz="2000" dirty="0" smtClean="0">
-                <a:latin typeface="돋움체" panose="020B0609000101010101" pitchFamily="49" charset="-127"/>
-                <a:ea typeface="돋움체" panose="020B0609000101010101" pitchFamily="49" charset="-127"/>
-              </a:rPr>
-              <a:t>. </a:t>
-            </a:r>
-            <a:r>
-              <a:rPr lang="ko-KR" altLang="en-US" sz="2000" b="1" dirty="0" err="1" smtClean="0">
-                <a:latin typeface="돋움체" panose="020B0609000101010101" pitchFamily="49" charset="-127"/>
-                <a:ea typeface="돋움체" panose="020B0609000101010101" pitchFamily="49" charset="-127"/>
-              </a:rPr>
-              <a:t>순서열은</a:t>
-            </a:r>
-            <a:r>
-              <a:rPr lang="ko-KR" altLang="en-US" sz="2000" b="1" dirty="0" smtClean="0">
-                <a:latin typeface="돋움체" panose="020B0609000101010101" pitchFamily="49" charset="-127"/>
-                <a:ea typeface="돋움체" panose="020B0609000101010101" pitchFamily="49" charset="-127"/>
-              </a:rPr>
-              <a:t> </a:t>
-            </a:r>
-            <a:r>
-              <a:rPr lang="ko-KR" altLang="en-US" sz="2000" b="1" dirty="0" smtClean="0">
-                <a:solidFill>
-                  <a:srgbClr val="C00000"/>
-                </a:solidFill>
-                <a:latin typeface="돋움체" panose="020B0609000101010101" pitchFamily="49" charset="-127"/>
-                <a:ea typeface="돋움체" panose="020B0609000101010101" pitchFamily="49" charset="-127"/>
-              </a:rPr>
-              <a:t>리스트</a:t>
-            </a:r>
-            <a:r>
-              <a:rPr lang="en-US" altLang="ko-KR" sz="2000" b="1" dirty="0" smtClean="0">
-                <a:solidFill>
-                  <a:srgbClr val="C00000"/>
-                </a:solidFill>
-                <a:latin typeface="돋움체" panose="020B0609000101010101" pitchFamily="49" charset="-127"/>
-                <a:ea typeface="돋움체" panose="020B0609000101010101" pitchFamily="49" charset="-127"/>
-              </a:rPr>
-              <a:t>, </a:t>
-            </a:r>
-            <a:r>
-              <a:rPr lang="ko-KR" altLang="en-US" sz="2000" b="1" dirty="0" err="1" smtClean="0">
-                <a:solidFill>
-                  <a:srgbClr val="C00000"/>
-                </a:solidFill>
-                <a:latin typeface="돋움체" panose="020B0609000101010101" pitchFamily="49" charset="-127"/>
-                <a:ea typeface="돋움체" panose="020B0609000101010101" pitchFamily="49" charset="-127"/>
-              </a:rPr>
-              <a:t>튜플</a:t>
-            </a:r>
-            <a:r>
-              <a:rPr lang="en-US" altLang="ko-KR" sz="2000" b="1" dirty="0" smtClean="0">
-                <a:solidFill>
-                  <a:srgbClr val="C00000"/>
-                </a:solidFill>
-                <a:latin typeface="돋움체" panose="020B0609000101010101" pitchFamily="49" charset="-127"/>
-                <a:ea typeface="돋움체" panose="020B0609000101010101" pitchFamily="49" charset="-127"/>
-              </a:rPr>
-              <a:t>, </a:t>
-            </a:r>
-            <a:r>
-              <a:rPr lang="ko-KR" altLang="en-US" sz="2000" b="1" dirty="0" smtClean="0">
-                <a:solidFill>
-                  <a:srgbClr val="C00000"/>
-                </a:solidFill>
-                <a:latin typeface="돋움체" panose="020B0609000101010101" pitchFamily="49" charset="-127"/>
-                <a:ea typeface="돋움체" panose="020B0609000101010101" pitchFamily="49" charset="-127"/>
-              </a:rPr>
-              <a:t>문자열 </a:t>
-            </a:r>
-            <a:r>
-              <a:rPr lang="ko-KR" altLang="en-US" sz="2000" b="1" dirty="0" smtClean="0">
-                <a:latin typeface="돋움체" panose="020B0609000101010101" pitchFamily="49" charset="-127"/>
-                <a:ea typeface="돋움체" panose="020B0609000101010101" pitchFamily="49" charset="-127"/>
-              </a:rPr>
-              <a:t>등을 사용</a:t>
-            </a:r>
-            <a:endParaRPr lang="en-US" altLang="ko-KR" sz="2000" b="1" dirty="0">
-              <a:latin typeface="돋움체" panose="020B0609000101010101" pitchFamily="49" charset="-127"/>
-              <a:ea typeface="돋움체" panose="020B0609000101010101" pitchFamily="49" charset="-127"/>
-            </a:endParaRPr>
-          </a:p>
-        </p:txBody>
-      </p:sp>
-      <p:sp>
-        <p:nvSpPr>
-          <p:cNvPr id="10" name="텍스트 개체 틀 6"/>
-          <p:cNvSpPr>
-            <a:spLocks noGrp="1"/>
-          </p:cNvSpPr>
-          <p:nvPr>
-            <p:ph type="body" idx="1"/>
-          </p:nvPr>
-        </p:nvSpPr>
-        <p:spPr>
-          <a:xfrm>
-            <a:off x="1416305" y="2924944"/>
-            <a:ext cx="3240360" cy="1268869"/>
-          </a:xfrm>
-          <a:prstGeom prst="roundRect">
-            <a:avLst/>
-          </a:prstGeom>
-          <a:ln w="19050"/>
-        </p:spPr>
-        <p:style>
-          <a:lnRef idx="2">
-            <a:schemeClr val="accent1"/>
-          </a:lnRef>
-          <a:fillRef idx="1">
-            <a:schemeClr val="lt1"/>
-          </a:fillRef>
-          <a:effectRef idx="0">
-            <a:schemeClr val="accent1"/>
-          </a:effectRef>
-          <a:fontRef idx="minor">
-            <a:schemeClr val="dk1"/>
-          </a:fontRef>
-        </p:style>
-        <p:txBody>
-          <a:bodyPr anchor="ctr" anchorCtr="0">
-            <a:normAutofit/>
-          </a:bodyPr>
-          <a:lstStyle/>
-          <a:p>
-            <a:r>
-              <a:rPr lang="en-US" altLang="ko-KR" sz="2000" dirty="0">
-                <a:solidFill>
-                  <a:srgbClr val="C00000"/>
-                </a:solidFill>
-              </a:rPr>
-              <a:t>for</a:t>
-            </a:r>
-            <a:r>
-              <a:rPr lang="en-US" altLang="ko-KR" sz="2000" dirty="0"/>
-              <a:t> </a:t>
-            </a:r>
-            <a:r>
-              <a:rPr lang="ko-KR" altLang="en-US" sz="2000" dirty="0" smtClean="0"/>
-              <a:t>반복변수 </a:t>
-            </a:r>
-            <a:r>
-              <a:rPr lang="en-US" altLang="ko-KR" sz="2000" dirty="0">
-                <a:solidFill>
-                  <a:srgbClr val="C00000"/>
-                </a:solidFill>
-              </a:rPr>
-              <a:t>in</a:t>
-            </a:r>
-            <a:r>
-              <a:rPr lang="en-US" altLang="ko-KR" sz="2000" dirty="0"/>
-              <a:t> </a:t>
-            </a:r>
-            <a:r>
-              <a:rPr lang="ko-KR" altLang="en-US" sz="2000" dirty="0" err="1" smtClean="0">
-                <a:solidFill>
-                  <a:srgbClr val="0070C0"/>
-                </a:solidFill>
-              </a:rPr>
-              <a:t>순서열</a:t>
-            </a:r>
-            <a:r>
-              <a:rPr lang="en-US" altLang="ko-KR" sz="2000" dirty="0" smtClean="0"/>
-              <a:t>:</a:t>
-            </a:r>
-          </a:p>
-          <a:p>
-            <a:r>
-              <a:rPr lang="en-US" altLang="ko-KR" sz="2000" dirty="0" smtClean="0"/>
-              <a:t>    </a:t>
-            </a:r>
-            <a:r>
-              <a:rPr lang="ko-KR" altLang="en-US" sz="2000" dirty="0" smtClean="0"/>
-              <a:t>코드블록</a:t>
-            </a:r>
-            <a:endParaRPr lang="en-US" altLang="ko-KR" sz="2000" dirty="0" smtClean="0"/>
+              <a:rPr lang="ko-KR" altLang="en-US" sz="2000" b="1" dirty="0" smtClean="0"/>
+              <a:t>예외 처리 </a:t>
+            </a:r>
+            <a:r>
+              <a:rPr lang="en-US" altLang="ko-KR" sz="2000" b="1" dirty="0" smtClean="0"/>
+              <a:t>– </a:t>
+            </a:r>
+            <a:r>
+              <a:rPr lang="ko-KR" altLang="en-US" sz="2000" b="1" dirty="0" smtClean="0"/>
+              <a:t>숫자 대신 문자를 </a:t>
+            </a:r>
+            <a:r>
+              <a:rPr lang="ko-KR" altLang="en-US" sz="2000" b="1" dirty="0" err="1" smtClean="0"/>
+              <a:t>입력받았을</a:t>
+            </a:r>
+            <a:r>
+              <a:rPr lang="ko-KR" altLang="en-US" sz="2000" b="1" dirty="0" smtClean="0"/>
+              <a:t> 때</a:t>
+            </a:r>
+            <a:endParaRPr lang="en-US" altLang="ko-KR" sz="2000" b="1" dirty="0" smtClean="0"/>
           </a:p>
         </p:txBody>
       </p:sp>
       <p:pic>
         <p:nvPicPr>
-          <p:cNvPr id="3" name="그림 2"/>
+          <p:cNvPr id="5" name="그림 4"/>
           <p:cNvPicPr>
             <a:picLocks noChangeAspect="1"/>
           </p:cNvPicPr>
@@ -9940,8 +9709,8 @@
         </p:blipFill>
         <p:spPr>
           <a:xfrm>
-            <a:off x="4953000" y="2746088"/>
-            <a:ext cx="3113672" cy="3759906"/>
+            <a:off x="1136576" y="1767041"/>
+            <a:ext cx="7292972" cy="4610500"/>
           </a:xfrm>
           <a:prstGeom prst="rect">
             <a:avLst/>
@@ -9958,7 +9727,7 @@
     </p:spTree>
     <p:extLst>
       <p:ext uri="{BB962C8B-B14F-4D97-AF65-F5344CB8AC3E}">
-        <p14:creationId xmlns:p14="http://schemas.microsoft.com/office/powerpoint/2010/main" val="3103885733"/>
+        <p14:creationId xmlns:p14="http://schemas.microsoft.com/office/powerpoint/2010/main" val="1996106595"/>
       </p:ext>
     </p:extLst>
   </p:cSld>
@@ -10059,374 +9828,287 @@
         <p:spPr>
           <a:xfrm>
             <a:off x="1047962" y="1268760"/>
-            <a:ext cx="5633230" cy="509178"/>
+            <a:ext cx="7217406" cy="1477328"/>
           </a:xfrm>
           <a:prstGeom prst="rect">
             <a:avLst/>
           </a:prstGeom>
+          <a:noFill/>
           <a:ln>
             <a:noFill/>
           </a:ln>
         </p:spPr>
         <p:style>
+          <a:lnRef idx="1">
+            <a:schemeClr val="accent3"/>
+          </a:lnRef>
+          <a:fillRef idx="2">
+            <a:schemeClr val="accent3"/>
+          </a:fillRef>
+          <a:effectRef idx="1">
+            <a:schemeClr val="accent3"/>
+          </a:effectRef>
+          <a:fontRef idx="minor">
+            <a:schemeClr val="dk1"/>
+          </a:fontRef>
+        </p:style>
+        <p:txBody>
+          <a:bodyPr wrap="square" rtlCol="0">
+            <a:spAutoFit/>
+          </a:bodyPr>
+          <a:lstStyle/>
+          <a:p>
+            <a:pPr>
+              <a:lnSpc>
+                <a:spcPct val="150000"/>
+              </a:lnSpc>
+            </a:pPr>
+            <a:r>
+              <a:rPr lang="en-US" altLang="ko-KR" sz="2000" dirty="0" smtClean="0">
+                <a:latin typeface="휴먼엑스포" panose="02030504000101010101" pitchFamily="18" charset="-127"/>
+                <a:ea typeface="휴먼엑스포" panose="02030504000101010101" pitchFamily="18" charset="-127"/>
+              </a:rPr>
+              <a:t>  for</a:t>
+            </a:r>
+            <a:r>
+              <a:rPr lang="ko-KR" altLang="en-US" sz="2000" dirty="0" smtClean="0">
+                <a:latin typeface="휴먼엑스포" panose="02030504000101010101" pitchFamily="18" charset="-127"/>
+                <a:ea typeface="휴먼엑스포" panose="02030504000101010101" pitchFamily="18" charset="-127"/>
+              </a:rPr>
+              <a:t>문</a:t>
+            </a:r>
+            <a:endParaRPr lang="en-US" altLang="ko-KR" sz="2000" dirty="0" smtClean="0">
+              <a:latin typeface="휴먼엑스포" panose="02030504000101010101" pitchFamily="18" charset="-127"/>
+              <a:ea typeface="휴먼엑스포" panose="02030504000101010101" pitchFamily="18" charset="-127"/>
+            </a:endParaRPr>
+          </a:p>
+          <a:p>
+            <a:pPr>
+              <a:lnSpc>
+                <a:spcPct val="150000"/>
+              </a:lnSpc>
+            </a:pPr>
+            <a:r>
+              <a:rPr lang="ko-KR" altLang="en-US" sz="2000" dirty="0" smtClean="0">
+                <a:latin typeface="돋움체" panose="020B0609000101010101" pitchFamily="49" charset="-127"/>
+                <a:ea typeface="돋움체" panose="020B0609000101010101" pitchFamily="49" charset="-127"/>
+              </a:rPr>
+              <a:t>  순서열의 각 원소를 처음부터 순회하면서 반복변수에 담</a:t>
+            </a:r>
+            <a:endParaRPr lang="en-US" altLang="ko-KR" sz="2000" dirty="0" smtClean="0">
+              <a:latin typeface="돋움체" panose="020B0609000101010101" pitchFamily="49" charset="-127"/>
+              <a:ea typeface="돋움체" panose="020B0609000101010101" pitchFamily="49" charset="-127"/>
+            </a:endParaRPr>
+          </a:p>
+          <a:p>
+            <a:pPr>
+              <a:lnSpc>
+                <a:spcPct val="150000"/>
+              </a:lnSpc>
+            </a:pPr>
+            <a:r>
+              <a:rPr lang="en-US" altLang="ko-KR" sz="2000" dirty="0">
+                <a:latin typeface="돋움체" panose="020B0609000101010101" pitchFamily="49" charset="-127"/>
+                <a:ea typeface="돋움체" panose="020B0609000101010101" pitchFamily="49" charset="-127"/>
+              </a:rPr>
+              <a:t> </a:t>
+            </a:r>
+            <a:r>
+              <a:rPr lang="en-US" altLang="ko-KR" sz="2000" dirty="0" smtClean="0">
+                <a:latin typeface="돋움체" panose="020B0609000101010101" pitchFamily="49" charset="-127"/>
+                <a:ea typeface="돋움체" panose="020B0609000101010101" pitchFamily="49" charset="-127"/>
+              </a:rPr>
+              <a:t> </a:t>
+            </a:r>
+            <a:r>
+              <a:rPr lang="ko-KR" altLang="en-US" sz="2000" dirty="0" smtClean="0">
+                <a:latin typeface="돋움체" panose="020B0609000101010101" pitchFamily="49" charset="-127"/>
+                <a:ea typeface="돋움체" panose="020B0609000101010101" pitchFamily="49" charset="-127"/>
+              </a:rPr>
+              <a:t>아 낸다</a:t>
+            </a:r>
+            <a:r>
+              <a:rPr lang="en-US" altLang="ko-KR" sz="2000" dirty="0" smtClean="0">
+                <a:latin typeface="돋움체" panose="020B0609000101010101" pitchFamily="49" charset="-127"/>
+                <a:ea typeface="돋움체" panose="020B0609000101010101" pitchFamily="49" charset="-127"/>
+              </a:rPr>
+              <a:t>. </a:t>
+            </a:r>
+            <a:r>
+              <a:rPr lang="ko-KR" altLang="en-US" sz="2000" b="1" dirty="0" err="1" smtClean="0">
+                <a:latin typeface="돋움체" panose="020B0609000101010101" pitchFamily="49" charset="-127"/>
+                <a:ea typeface="돋움체" panose="020B0609000101010101" pitchFamily="49" charset="-127"/>
+              </a:rPr>
+              <a:t>순서열은</a:t>
+            </a:r>
+            <a:r>
+              <a:rPr lang="ko-KR" altLang="en-US" sz="2000" b="1" dirty="0" smtClean="0">
+                <a:latin typeface="돋움체" panose="020B0609000101010101" pitchFamily="49" charset="-127"/>
+                <a:ea typeface="돋움체" panose="020B0609000101010101" pitchFamily="49" charset="-127"/>
+              </a:rPr>
+              <a:t> </a:t>
+            </a:r>
+            <a:r>
+              <a:rPr lang="ko-KR" altLang="en-US" sz="2000" b="1" dirty="0" smtClean="0">
+                <a:solidFill>
+                  <a:srgbClr val="C00000"/>
+                </a:solidFill>
+                <a:latin typeface="돋움체" panose="020B0609000101010101" pitchFamily="49" charset="-127"/>
+                <a:ea typeface="돋움체" panose="020B0609000101010101" pitchFamily="49" charset="-127"/>
+              </a:rPr>
+              <a:t>리스트</a:t>
+            </a:r>
+            <a:r>
+              <a:rPr lang="en-US" altLang="ko-KR" sz="2000" b="1" dirty="0" smtClean="0">
+                <a:solidFill>
+                  <a:srgbClr val="C00000"/>
+                </a:solidFill>
+                <a:latin typeface="돋움체" panose="020B0609000101010101" pitchFamily="49" charset="-127"/>
+                <a:ea typeface="돋움체" panose="020B0609000101010101" pitchFamily="49" charset="-127"/>
+              </a:rPr>
+              <a:t>, </a:t>
+            </a:r>
+            <a:r>
+              <a:rPr lang="ko-KR" altLang="en-US" sz="2000" b="1" dirty="0" err="1" smtClean="0">
+                <a:solidFill>
+                  <a:srgbClr val="C00000"/>
+                </a:solidFill>
+                <a:latin typeface="돋움체" panose="020B0609000101010101" pitchFamily="49" charset="-127"/>
+                <a:ea typeface="돋움체" panose="020B0609000101010101" pitchFamily="49" charset="-127"/>
+              </a:rPr>
+              <a:t>튜플</a:t>
+            </a:r>
+            <a:r>
+              <a:rPr lang="en-US" altLang="ko-KR" sz="2000" b="1" dirty="0" smtClean="0">
+                <a:solidFill>
+                  <a:srgbClr val="C00000"/>
+                </a:solidFill>
+                <a:latin typeface="돋움체" panose="020B0609000101010101" pitchFamily="49" charset="-127"/>
+                <a:ea typeface="돋움체" panose="020B0609000101010101" pitchFamily="49" charset="-127"/>
+              </a:rPr>
+              <a:t>, </a:t>
+            </a:r>
+            <a:r>
+              <a:rPr lang="ko-KR" altLang="en-US" sz="2000" b="1" dirty="0" smtClean="0">
+                <a:solidFill>
+                  <a:srgbClr val="C00000"/>
+                </a:solidFill>
+                <a:latin typeface="돋움체" panose="020B0609000101010101" pitchFamily="49" charset="-127"/>
+                <a:ea typeface="돋움체" panose="020B0609000101010101" pitchFamily="49" charset="-127"/>
+              </a:rPr>
+              <a:t>문자열 </a:t>
+            </a:r>
+            <a:r>
+              <a:rPr lang="ko-KR" altLang="en-US" sz="2000" b="1" dirty="0" smtClean="0">
+                <a:latin typeface="돋움체" panose="020B0609000101010101" pitchFamily="49" charset="-127"/>
+                <a:ea typeface="돋움체" panose="020B0609000101010101" pitchFamily="49" charset="-127"/>
+              </a:rPr>
+              <a:t>등을 사용</a:t>
+            </a:r>
+            <a:endParaRPr lang="en-US" altLang="ko-KR" sz="2000" b="1" dirty="0">
+              <a:latin typeface="돋움체" panose="020B0609000101010101" pitchFamily="49" charset="-127"/>
+              <a:ea typeface="돋움체" panose="020B0609000101010101" pitchFamily="49" charset="-127"/>
+            </a:endParaRPr>
+          </a:p>
+        </p:txBody>
+      </p:sp>
+      <p:sp>
+        <p:nvSpPr>
+          <p:cNvPr id="10" name="텍스트 개체 틀 6"/>
+          <p:cNvSpPr>
+            <a:spLocks noGrp="1"/>
+          </p:cNvSpPr>
+          <p:nvPr>
+            <p:ph type="body" idx="1"/>
+          </p:nvPr>
+        </p:nvSpPr>
+        <p:spPr>
+          <a:xfrm>
+            <a:off x="1416305" y="2924944"/>
+            <a:ext cx="3240360" cy="1268869"/>
+          </a:xfrm>
+          <a:prstGeom prst="roundRect">
+            <a:avLst/>
+          </a:prstGeom>
+          <a:ln w="19050"/>
+        </p:spPr>
+        <p:style>
           <a:lnRef idx="2">
-            <a:schemeClr val="dk1"/>
+            <a:schemeClr val="accent1"/>
           </a:lnRef>
           <a:fillRef idx="1">
             <a:schemeClr val="lt1"/>
           </a:fillRef>
           <a:effectRef idx="0">
-            <a:schemeClr val="dk1"/>
+            <a:schemeClr val="accent1"/>
           </a:effectRef>
           <a:fontRef idx="minor">
             <a:schemeClr val="dk1"/>
           </a:fontRef>
         </p:style>
         <p:txBody>
-          <a:bodyPr wrap="square" rtlCol="0">
-            <a:spAutoFit/>
+          <a:bodyPr anchor="ctr" anchorCtr="0">
+            <a:normAutofit/>
           </a:bodyPr>
           <a:lstStyle/>
           <a:p>
-            <a:pPr marL="342900" indent="-342900">
-              <a:lnSpc>
-                <a:spcPct val="150000"/>
-              </a:lnSpc>
-              <a:buFont typeface="Arial" panose="020B0604020202020204" pitchFamily="34" charset="0"/>
-              <a:buChar char="•"/>
-            </a:pPr>
-            <a:r>
-              <a:rPr lang="en-US" altLang="ko-KR" sz="2000" dirty="0" smtClean="0">
-                <a:latin typeface="휴먼엑스포" panose="02030504000101010101" pitchFamily="18" charset="-127"/>
-                <a:ea typeface="휴먼엑스포" panose="02030504000101010101" pitchFamily="18" charset="-127"/>
-              </a:rPr>
-              <a:t>range() </a:t>
-            </a:r>
-            <a:r>
-              <a:rPr lang="ko-KR" altLang="en-US" sz="2000" dirty="0" smtClean="0">
-                <a:latin typeface="휴먼엑스포" panose="02030504000101010101" pitchFamily="18" charset="-127"/>
-                <a:ea typeface="휴먼엑스포" panose="02030504000101010101" pitchFamily="18" charset="-127"/>
-              </a:rPr>
-              <a:t>함수 사용하기 </a:t>
-            </a:r>
-            <a:endParaRPr lang="en-US" altLang="ko-KR" sz="2000" dirty="0">
-              <a:latin typeface="휴먼엑스포" panose="02030504000101010101" pitchFamily="18" charset="-127"/>
-              <a:ea typeface="휴먼엑스포" panose="02030504000101010101" pitchFamily="18" charset="-127"/>
-            </a:endParaRPr>
-          </a:p>
-        </p:txBody>
-      </p:sp>
-      <p:sp>
-        <p:nvSpPr>
-          <p:cNvPr id="23" name="모서리가 둥근 직사각형 22"/>
-          <p:cNvSpPr/>
-          <p:nvPr/>
-        </p:nvSpPr>
-        <p:spPr>
-          <a:xfrm>
-            <a:off x="1516014" y="2564904"/>
-            <a:ext cx="6893370" cy="835107"/>
-          </a:xfrm>
-          <a:prstGeom prst="roundRect">
-            <a:avLst/>
-          </a:prstGeom>
-          <a:noFill/>
-          <a:ln w="28575">
-            <a:noFill/>
-            <a:prstDash val="sysDash"/>
-          </a:ln>
-        </p:spPr>
-        <p:style>
-          <a:lnRef idx="2">
-            <a:schemeClr val="accent1">
-              <a:shade val="50000"/>
-            </a:schemeClr>
-          </a:lnRef>
-          <a:fillRef idx="1">
-            <a:schemeClr val="accent1"/>
-          </a:fillRef>
-          <a:effectRef idx="0">
-            <a:schemeClr val="accent1"/>
-          </a:effectRef>
-          <a:fontRef idx="minor">
-            <a:schemeClr val="lt1"/>
-          </a:fontRef>
-        </p:style>
-        <p:txBody>
-          <a:bodyPr rtlCol="0" anchor="ctr"/>
-          <a:lstStyle/>
-          <a:p>
-            <a:r>
-              <a:rPr lang="ko-KR" altLang="en-US" dirty="0" err="1" smtClean="0">
-                <a:solidFill>
-                  <a:sysClr val="windowText" lastClr="000000"/>
-                </a:solidFill>
-              </a:rPr>
-              <a:t>시작값을</a:t>
-            </a:r>
-            <a:r>
-              <a:rPr lang="ko-KR" altLang="en-US" dirty="0" smtClean="0">
-                <a:solidFill>
-                  <a:sysClr val="windowText" lastClr="000000"/>
-                </a:solidFill>
-              </a:rPr>
-              <a:t> 생략하면 </a:t>
-            </a:r>
-            <a:r>
-              <a:rPr lang="en-US" altLang="ko-KR" b="1" dirty="0" smtClean="0">
-                <a:solidFill>
-                  <a:sysClr val="windowText" lastClr="000000"/>
-                </a:solidFill>
-              </a:rPr>
-              <a:t>0</a:t>
-            </a:r>
-            <a:r>
-              <a:rPr lang="ko-KR" altLang="en-US" dirty="0" smtClean="0">
-                <a:solidFill>
-                  <a:sysClr val="windowText" lastClr="000000"/>
-                </a:solidFill>
-              </a:rPr>
-              <a:t>부터 시작하고</a:t>
-            </a:r>
-            <a:r>
-              <a:rPr lang="en-US" altLang="ko-KR" dirty="0" smtClean="0">
-                <a:solidFill>
-                  <a:sysClr val="windowText" lastClr="000000"/>
-                </a:solidFill>
-              </a:rPr>
-              <a:t>,</a:t>
-            </a:r>
-            <a:r>
-              <a:rPr lang="ko-KR" altLang="en-US" dirty="0" smtClean="0">
-                <a:solidFill>
-                  <a:sysClr val="windowText" lastClr="000000"/>
-                </a:solidFill>
-              </a:rPr>
+            <a:r>
+              <a:rPr lang="en-US" altLang="ko-KR" sz="2000" dirty="0">
+                <a:solidFill>
+                  <a:srgbClr val="C00000"/>
+                </a:solidFill>
+              </a:rPr>
+              <a:t>for</a:t>
+            </a:r>
+            <a:r>
+              <a:rPr lang="en-US" altLang="ko-KR" sz="2000" dirty="0"/>
               <a:t> </a:t>
             </a:r>
             <a:r>
-              <a:rPr lang="ko-KR" altLang="en-US" dirty="0" err="1">
-                <a:solidFill>
-                  <a:sysClr val="windowText" lastClr="000000"/>
-                </a:solidFill>
-              </a:rPr>
-              <a:t>종</a:t>
-            </a:r>
-            <a:r>
-              <a:rPr lang="ko-KR" altLang="en-US" dirty="0" err="1" smtClean="0">
-                <a:solidFill>
-                  <a:sysClr val="windowText" lastClr="000000"/>
-                </a:solidFill>
-              </a:rPr>
-              <a:t>료값은</a:t>
-            </a:r>
-            <a:r>
-              <a:rPr lang="ko-KR" altLang="en-US" dirty="0" smtClean="0">
-                <a:solidFill>
-                  <a:sysClr val="windowText" lastClr="000000"/>
-                </a:solidFill>
-              </a:rPr>
+              <a:rPr lang="ko-KR" altLang="en-US" sz="2000" dirty="0" smtClean="0"/>
+              <a:t>반복변수 </a:t>
+            </a:r>
+            <a:r>
+              <a:rPr lang="en-US" altLang="ko-KR" sz="2000" dirty="0">
+                <a:solidFill>
+                  <a:srgbClr val="C00000"/>
+                </a:solidFill>
+              </a:rPr>
+              <a:t>in</a:t>
+            </a:r>
+            <a:r>
+              <a:rPr lang="en-US" altLang="ko-KR" sz="2000" dirty="0"/>
               <a:t> </a:t>
             </a:r>
             <a:r>
-              <a:rPr lang="en-US" altLang="ko-KR" dirty="0" smtClean="0">
-                <a:solidFill>
-                  <a:sysClr val="windowText" lastClr="000000"/>
-                </a:solidFill>
-              </a:rPr>
-              <a:t>(</a:t>
-            </a:r>
-            <a:r>
-              <a:rPr lang="ko-KR" altLang="en-US" b="1" dirty="0" err="1" smtClean="0">
-                <a:solidFill>
-                  <a:sysClr val="windowText" lastClr="000000"/>
-                </a:solidFill>
-              </a:rPr>
-              <a:t>종료값</a:t>
-            </a:r>
-            <a:r>
-              <a:rPr lang="en-US" altLang="ko-KR" b="1" dirty="0" smtClean="0">
-                <a:solidFill>
-                  <a:sysClr val="windowText" lastClr="000000"/>
-                </a:solidFill>
-              </a:rPr>
-              <a:t>-1</a:t>
-            </a:r>
-            <a:r>
-              <a:rPr lang="en-US" altLang="ko-KR" dirty="0" smtClean="0">
-                <a:solidFill>
-                  <a:sysClr val="windowText" lastClr="000000"/>
-                </a:solidFill>
-              </a:rPr>
-              <a:t>)</a:t>
-            </a:r>
-            <a:r>
-              <a:rPr lang="ko-KR" altLang="en-US" dirty="0">
-                <a:solidFill>
-                  <a:sysClr val="windowText" lastClr="000000"/>
-                </a:solidFill>
-              </a:rPr>
-              <a:t> </a:t>
-            </a:r>
-            <a:r>
-              <a:rPr lang="ko-KR" altLang="en-US" dirty="0" smtClean="0">
-                <a:solidFill>
-                  <a:sysClr val="windowText" lastClr="000000"/>
-                </a:solidFill>
-              </a:rPr>
-              <a:t>이다</a:t>
-            </a:r>
-            <a:r>
-              <a:rPr lang="en-US" altLang="ko-KR" dirty="0" smtClean="0">
-                <a:solidFill>
-                  <a:sysClr val="windowText" lastClr="000000"/>
-                </a:solidFill>
-              </a:rPr>
-              <a:t>.</a:t>
-            </a:r>
-            <a:endParaRPr lang="ko-KR" altLang="en-US" dirty="0">
-              <a:solidFill>
-                <a:sysClr val="windowText" lastClr="000000"/>
-              </a:solidFill>
-            </a:endParaRPr>
-          </a:p>
-        </p:txBody>
-      </p:sp>
-      <p:sp>
-        <p:nvSpPr>
-          <p:cNvPr id="10" name="TextBox 9"/>
-          <p:cNvSpPr txBox="1"/>
-          <p:nvPr/>
-        </p:nvSpPr>
-        <p:spPr>
-          <a:xfrm>
-            <a:off x="1496616" y="1916832"/>
-            <a:ext cx="4985158" cy="612934"/>
-          </a:xfrm>
-          <a:prstGeom prst="roundRect">
-            <a:avLst/>
-          </a:prstGeom>
-          <a:ln/>
-        </p:spPr>
-        <p:style>
-          <a:lnRef idx="2">
-            <a:schemeClr val="accent5"/>
-          </a:lnRef>
-          <a:fillRef idx="1">
-            <a:schemeClr val="lt1"/>
-          </a:fillRef>
-          <a:effectRef idx="0">
-            <a:schemeClr val="accent5"/>
-          </a:effectRef>
-          <a:fontRef idx="minor">
-            <a:schemeClr val="dk1"/>
-          </a:fontRef>
-        </p:style>
-        <p:txBody>
-          <a:bodyPr wrap="square" rtlCol="0">
-            <a:spAutoFit/>
-          </a:bodyPr>
-          <a:lstStyle/>
-          <a:p>
-            <a:pPr>
-              <a:lnSpc>
-                <a:spcPct val="150000"/>
-              </a:lnSpc>
-            </a:pPr>
-            <a:r>
-              <a:rPr lang="en-US" altLang="ko-KR" sz="2000" dirty="0" smtClean="0">
-                <a:latin typeface="휴먼엑스포" panose="02030504000101010101" pitchFamily="18" charset="-127"/>
-                <a:ea typeface="휴먼엑스포" panose="02030504000101010101" pitchFamily="18" charset="-127"/>
-              </a:rPr>
-              <a:t>for x in </a:t>
-            </a:r>
-            <a:r>
-              <a:rPr lang="en-US" altLang="ko-KR" sz="2000" b="1" dirty="0" smtClean="0">
-                <a:solidFill>
-                  <a:srgbClr val="C00000"/>
-                </a:solidFill>
-                <a:latin typeface="휴먼엑스포" panose="02030504000101010101" pitchFamily="18" charset="-127"/>
-                <a:ea typeface="휴먼엑스포" panose="02030504000101010101" pitchFamily="18" charset="-127"/>
-              </a:rPr>
-              <a:t>range(</a:t>
-            </a:r>
-            <a:r>
-              <a:rPr lang="ko-KR" altLang="en-US" sz="2000" b="1" dirty="0" err="1" smtClean="0">
-                <a:solidFill>
-                  <a:srgbClr val="C00000"/>
-                </a:solidFill>
-                <a:latin typeface="휴먼엑스포" panose="02030504000101010101" pitchFamily="18" charset="-127"/>
-                <a:ea typeface="휴먼엑스포" panose="02030504000101010101" pitchFamily="18" charset="-127"/>
-              </a:rPr>
-              <a:t>시작값</a:t>
-            </a:r>
-            <a:r>
-              <a:rPr lang="en-US" altLang="ko-KR" sz="2000" b="1" dirty="0" smtClean="0">
-                <a:solidFill>
-                  <a:srgbClr val="C00000"/>
-                </a:solidFill>
-                <a:latin typeface="휴먼엑스포" panose="02030504000101010101" pitchFamily="18" charset="-127"/>
-                <a:ea typeface="휴먼엑스포" panose="02030504000101010101" pitchFamily="18" charset="-127"/>
-              </a:rPr>
-              <a:t>, </a:t>
-            </a:r>
-            <a:r>
-              <a:rPr lang="ko-KR" altLang="en-US" sz="2000" b="1" dirty="0" err="1" smtClean="0">
-                <a:solidFill>
-                  <a:srgbClr val="C00000"/>
-                </a:solidFill>
-                <a:latin typeface="휴먼엑스포" panose="02030504000101010101" pitchFamily="18" charset="-127"/>
-                <a:ea typeface="휴먼엑스포" panose="02030504000101010101" pitchFamily="18" charset="-127"/>
-              </a:rPr>
-              <a:t>종료값</a:t>
-            </a:r>
-            <a:r>
-              <a:rPr lang="en-US" altLang="ko-KR" sz="2000" b="1" dirty="0" smtClean="0">
-                <a:solidFill>
-                  <a:srgbClr val="C00000"/>
-                </a:solidFill>
-                <a:latin typeface="휴먼엑스포" panose="02030504000101010101" pitchFamily="18" charset="-127"/>
-                <a:ea typeface="휴먼엑스포" panose="02030504000101010101" pitchFamily="18" charset="-127"/>
-              </a:rPr>
-              <a:t>, </a:t>
-            </a:r>
-            <a:r>
-              <a:rPr lang="ko-KR" altLang="en-US" sz="2000" b="1" dirty="0" err="1" smtClean="0">
-                <a:solidFill>
-                  <a:srgbClr val="C00000"/>
-                </a:solidFill>
-                <a:latin typeface="휴먼엑스포" panose="02030504000101010101" pitchFamily="18" charset="-127"/>
-                <a:ea typeface="휴먼엑스포" panose="02030504000101010101" pitchFamily="18" charset="-127"/>
-              </a:rPr>
-              <a:t>증감값</a:t>
-            </a:r>
-            <a:r>
-              <a:rPr lang="en-US" altLang="ko-KR" sz="2000" b="1" dirty="0" smtClean="0">
-                <a:solidFill>
-                  <a:srgbClr val="C00000"/>
-                </a:solidFill>
-                <a:latin typeface="휴먼엑스포" panose="02030504000101010101" pitchFamily="18" charset="-127"/>
-                <a:ea typeface="휴먼엑스포" panose="02030504000101010101" pitchFamily="18" charset="-127"/>
-              </a:rPr>
-              <a:t>)</a:t>
-            </a:r>
-            <a:r>
-              <a:rPr lang="ko-KR" altLang="en-US" sz="2000" dirty="0" smtClean="0">
-                <a:latin typeface="휴먼엑스포" panose="02030504000101010101" pitchFamily="18" charset="-127"/>
-                <a:ea typeface="휴먼엑스포" panose="02030504000101010101" pitchFamily="18" charset="-127"/>
-              </a:rPr>
-              <a:t> </a:t>
-            </a:r>
-            <a:endParaRPr lang="en-US" altLang="ko-KR" sz="2000" dirty="0">
-              <a:latin typeface="휴먼엑스포" panose="02030504000101010101" pitchFamily="18" charset="-127"/>
-              <a:ea typeface="휴먼엑스포" panose="02030504000101010101" pitchFamily="18" charset="-127"/>
-            </a:endParaRPr>
+              <a:rPr lang="ko-KR" altLang="en-US" sz="2000" dirty="0" err="1" smtClean="0">
+                <a:solidFill>
+                  <a:srgbClr val="0070C0"/>
+                </a:solidFill>
+              </a:rPr>
+              <a:t>순서열</a:t>
+            </a:r>
+            <a:r>
+              <a:rPr lang="en-US" altLang="ko-KR" sz="2000" dirty="0" smtClean="0"/>
+              <a:t>:</a:t>
+            </a:r>
+          </a:p>
+          <a:p>
+            <a:r>
+              <a:rPr lang="en-US" altLang="ko-KR" sz="2000" dirty="0" smtClean="0"/>
+              <a:t>    </a:t>
+            </a:r>
+            <a:r>
+              <a:rPr lang="ko-KR" altLang="en-US" sz="2000" dirty="0" smtClean="0"/>
+              <a:t>코드블록</a:t>
+            </a:r>
+            <a:endParaRPr lang="en-US" altLang="ko-KR" sz="2000" dirty="0" smtClean="0"/>
           </a:p>
         </p:txBody>
       </p:sp>
       <p:pic>
         <p:nvPicPr>
-          <p:cNvPr id="7" name="그림 6"/>
+          <p:cNvPr id="3" name="그림 2"/>
           <p:cNvPicPr>
             <a:picLocks noChangeAspect="1"/>
           </p:cNvPicPr>
@@ -10446,8 +10128,8 @@
         </p:blipFill>
         <p:spPr>
           <a:xfrm>
-            <a:off x="2576736" y="3431856"/>
-            <a:ext cx="3199288" cy="2373407"/>
+            <a:off x="4953000" y="2746088"/>
+            <a:ext cx="3113672" cy="3759906"/>
           </a:xfrm>
           <a:prstGeom prst="rect">
             <a:avLst/>
@@ -10464,7 +10146,7 @@
     </p:spTree>
     <p:extLst>
       <p:ext uri="{BB962C8B-B14F-4D97-AF65-F5344CB8AC3E}">
-        <p14:creationId xmlns:p14="http://schemas.microsoft.com/office/powerpoint/2010/main" val="1369147599"/>
+        <p14:creationId xmlns:p14="http://schemas.microsoft.com/office/powerpoint/2010/main" val="3103885733"/>
       </p:ext>
     </p:extLst>
   </p:cSld>
@@ -10558,13 +10240,255 @@
       </p:sp>
       <p:sp>
         <p:nvSpPr>
+          <p:cNvPr id="11" name="TextBox 10"/>
+          <p:cNvSpPr txBox="1"/>
+          <p:nvPr/>
+        </p:nvSpPr>
+        <p:spPr>
+          <a:xfrm>
+            <a:off x="1047962" y="1268760"/>
+            <a:ext cx="5633230" cy="509178"/>
+          </a:xfrm>
+          <a:prstGeom prst="rect">
+            <a:avLst/>
+          </a:prstGeom>
+          <a:ln>
+            <a:noFill/>
+          </a:ln>
+        </p:spPr>
+        <p:style>
+          <a:lnRef idx="2">
+            <a:schemeClr val="dk1"/>
+          </a:lnRef>
+          <a:fillRef idx="1">
+            <a:schemeClr val="lt1"/>
+          </a:fillRef>
+          <a:effectRef idx="0">
+            <a:schemeClr val="dk1"/>
+          </a:effectRef>
+          <a:fontRef idx="minor">
+            <a:schemeClr val="dk1"/>
+          </a:fontRef>
+        </p:style>
+        <p:txBody>
+          <a:bodyPr wrap="square" rtlCol="0">
+            <a:spAutoFit/>
+          </a:bodyPr>
+          <a:lstStyle/>
+          <a:p>
+            <a:pPr marL="342900" indent="-342900">
+              <a:lnSpc>
+                <a:spcPct val="150000"/>
+              </a:lnSpc>
+              <a:buFont typeface="Arial" panose="020B0604020202020204" pitchFamily="34" charset="0"/>
+              <a:buChar char="•"/>
+            </a:pPr>
+            <a:r>
+              <a:rPr lang="en-US" altLang="ko-KR" sz="2000" dirty="0" smtClean="0">
+                <a:latin typeface="휴먼엑스포" panose="02030504000101010101" pitchFamily="18" charset="-127"/>
+                <a:ea typeface="휴먼엑스포" panose="02030504000101010101" pitchFamily="18" charset="-127"/>
+              </a:rPr>
+              <a:t>range() </a:t>
+            </a:r>
+            <a:r>
+              <a:rPr lang="ko-KR" altLang="en-US" sz="2000" dirty="0" smtClean="0">
+                <a:latin typeface="휴먼엑스포" panose="02030504000101010101" pitchFamily="18" charset="-127"/>
+                <a:ea typeface="휴먼엑스포" panose="02030504000101010101" pitchFamily="18" charset="-127"/>
+              </a:rPr>
+              <a:t>함수 사용하기 </a:t>
+            </a:r>
+            <a:endParaRPr lang="en-US" altLang="ko-KR" sz="2000" dirty="0">
+              <a:latin typeface="휴먼엑스포" panose="02030504000101010101" pitchFamily="18" charset="-127"/>
+              <a:ea typeface="휴먼엑스포" panose="02030504000101010101" pitchFamily="18" charset="-127"/>
+            </a:endParaRPr>
+          </a:p>
+        </p:txBody>
+      </p:sp>
+      <p:sp>
+        <p:nvSpPr>
+          <p:cNvPr id="23" name="모서리가 둥근 직사각형 22"/>
+          <p:cNvSpPr/>
+          <p:nvPr/>
+        </p:nvSpPr>
+        <p:spPr>
+          <a:xfrm>
+            <a:off x="1516014" y="2564904"/>
+            <a:ext cx="6893370" cy="835107"/>
+          </a:xfrm>
+          <a:prstGeom prst="roundRect">
+            <a:avLst/>
+          </a:prstGeom>
+          <a:noFill/>
+          <a:ln w="28575">
+            <a:noFill/>
+            <a:prstDash val="sysDash"/>
+          </a:ln>
+        </p:spPr>
+        <p:style>
+          <a:lnRef idx="2">
+            <a:schemeClr val="accent1">
+              <a:shade val="50000"/>
+            </a:schemeClr>
+          </a:lnRef>
+          <a:fillRef idx="1">
+            <a:schemeClr val="accent1"/>
+          </a:fillRef>
+          <a:effectRef idx="0">
+            <a:schemeClr val="accent1"/>
+          </a:effectRef>
+          <a:fontRef idx="minor">
+            <a:schemeClr val="lt1"/>
+          </a:fontRef>
+        </p:style>
+        <p:txBody>
+          <a:bodyPr rtlCol="0" anchor="ctr"/>
+          <a:lstStyle/>
+          <a:p>
+            <a:r>
+              <a:rPr lang="ko-KR" altLang="en-US" dirty="0" err="1" smtClean="0">
+                <a:solidFill>
+                  <a:sysClr val="windowText" lastClr="000000"/>
+                </a:solidFill>
+              </a:rPr>
+              <a:t>시작값을</a:t>
+            </a:r>
+            <a:r>
+              <a:rPr lang="ko-KR" altLang="en-US" dirty="0" smtClean="0">
+                <a:solidFill>
+                  <a:sysClr val="windowText" lastClr="000000"/>
+                </a:solidFill>
+              </a:rPr>
+              <a:t> 생략하면 </a:t>
+            </a:r>
+            <a:r>
+              <a:rPr lang="en-US" altLang="ko-KR" b="1" dirty="0" smtClean="0">
+                <a:solidFill>
+                  <a:sysClr val="windowText" lastClr="000000"/>
+                </a:solidFill>
+              </a:rPr>
+              <a:t>0</a:t>
+            </a:r>
+            <a:r>
+              <a:rPr lang="ko-KR" altLang="en-US" dirty="0" smtClean="0">
+                <a:solidFill>
+                  <a:sysClr val="windowText" lastClr="000000"/>
+                </a:solidFill>
+              </a:rPr>
+              <a:t>부터 시작하고</a:t>
+            </a:r>
+            <a:r>
+              <a:rPr lang="en-US" altLang="ko-KR" dirty="0" smtClean="0">
+                <a:solidFill>
+                  <a:sysClr val="windowText" lastClr="000000"/>
+                </a:solidFill>
+              </a:rPr>
+              <a:t>,</a:t>
+            </a:r>
+            <a:r>
+              <a:rPr lang="ko-KR" altLang="en-US" dirty="0" smtClean="0">
+                <a:solidFill>
+                  <a:sysClr val="windowText" lastClr="000000"/>
+                </a:solidFill>
+              </a:rPr>
+              <a:t> </a:t>
+            </a:r>
+            <a:r>
+              <a:rPr lang="ko-KR" altLang="en-US" dirty="0" err="1">
+                <a:solidFill>
+                  <a:sysClr val="windowText" lastClr="000000"/>
+                </a:solidFill>
+              </a:rPr>
+              <a:t>종</a:t>
+            </a:r>
+            <a:r>
+              <a:rPr lang="ko-KR" altLang="en-US" dirty="0" err="1" smtClean="0">
+                <a:solidFill>
+                  <a:sysClr val="windowText" lastClr="000000"/>
+                </a:solidFill>
+              </a:rPr>
+              <a:t>료값은</a:t>
+            </a:r>
+            <a:r>
+              <a:rPr lang="ko-KR" altLang="en-US" dirty="0" smtClean="0">
+                <a:solidFill>
+                  <a:sysClr val="windowText" lastClr="000000"/>
+                </a:solidFill>
+              </a:rPr>
+              <a:t> </a:t>
+            </a:r>
+            <a:r>
+              <a:rPr lang="en-US" altLang="ko-KR" dirty="0" smtClean="0">
+                <a:solidFill>
+                  <a:sysClr val="windowText" lastClr="000000"/>
+                </a:solidFill>
+              </a:rPr>
+              <a:t>(</a:t>
+            </a:r>
+            <a:r>
+              <a:rPr lang="ko-KR" altLang="en-US" b="1" dirty="0" err="1" smtClean="0">
+                <a:solidFill>
+                  <a:sysClr val="windowText" lastClr="000000"/>
+                </a:solidFill>
+              </a:rPr>
+              <a:t>종료값</a:t>
+            </a:r>
+            <a:r>
+              <a:rPr lang="en-US" altLang="ko-KR" b="1" dirty="0" smtClean="0">
+                <a:solidFill>
+                  <a:sysClr val="windowText" lastClr="000000"/>
+                </a:solidFill>
+              </a:rPr>
+              <a:t>-1</a:t>
+            </a:r>
+            <a:r>
+              <a:rPr lang="en-US" altLang="ko-KR" dirty="0" smtClean="0">
+                <a:solidFill>
+                  <a:sysClr val="windowText" lastClr="000000"/>
+                </a:solidFill>
+              </a:rPr>
+              <a:t>)</a:t>
+            </a:r>
+            <a:r>
+              <a:rPr lang="ko-KR" altLang="en-US" dirty="0">
+                <a:solidFill>
+                  <a:sysClr val="windowText" lastClr="000000"/>
+                </a:solidFill>
+              </a:rPr>
+              <a:t> </a:t>
+            </a:r>
+            <a:r>
+              <a:rPr lang="ko-KR" altLang="en-US" dirty="0" smtClean="0">
+                <a:solidFill>
+                  <a:sysClr val="windowText" lastClr="000000"/>
+                </a:solidFill>
+              </a:rPr>
+              <a:t>이다</a:t>
+            </a:r>
+            <a:r>
+              <a:rPr lang="en-US" altLang="ko-KR" dirty="0" smtClean="0">
+                <a:solidFill>
+                  <a:sysClr val="windowText" lastClr="000000"/>
+                </a:solidFill>
+              </a:rPr>
+              <a:t>.</a:t>
+            </a:r>
+            <a:endParaRPr lang="ko-KR" altLang="en-US" dirty="0">
+              <a:solidFill>
+                <a:sysClr val="windowText" lastClr="000000"/>
+              </a:solidFill>
+            </a:endParaRPr>
+          </a:p>
+        </p:txBody>
+      </p:sp>
+      <p:sp>
+        <p:nvSpPr>
           <p:cNvPr id="10" name="TextBox 9"/>
           <p:cNvSpPr txBox="1"/>
           <p:nvPr/>
         </p:nvSpPr>
         <p:spPr>
           <a:xfrm>
-            <a:off x="1496616" y="1628800"/>
+            <a:off x="1496616" y="1916832"/>
             <a:ext cx="4985158" cy="612934"/>
           </a:xfrm>
           <a:prstGeom prst="roundRect">
@@ -10690,7 +10614,7 @@
       </p:sp>
       <p:pic>
         <p:nvPicPr>
-          <p:cNvPr id="6" name="그림 5"/>
+          <p:cNvPr id="7" name="그림 6"/>
           <p:cNvPicPr>
             <a:picLocks noChangeAspect="1"/>
           </p:cNvPicPr>
@@ -10710,8 +10634,8 @@
         </p:blipFill>
         <p:spPr>
           <a:xfrm>
-            <a:off x="2399319" y="2564904"/>
-            <a:ext cx="3439671" cy="3211985"/>
+            <a:off x="2576736" y="3431856"/>
+            <a:ext cx="3199288" cy="2373407"/>
           </a:xfrm>
           <a:prstGeom prst="rect">
             <a:avLst/>
@@ -10728,7 +10652,7 @@
     </p:spTree>
     <p:extLst>
       <p:ext uri="{BB962C8B-B14F-4D97-AF65-F5344CB8AC3E}">
-        <p14:creationId xmlns:p14="http://schemas.microsoft.com/office/powerpoint/2010/main" val="4102567412"/>
+        <p14:creationId xmlns:p14="http://schemas.microsoft.com/office/powerpoint/2010/main" val="1369147599"/>
       </p:ext>
     </p:extLst>
   </p:cSld>
@@ -10782,28 +10706,16 @@
               <a:t> </a:t>
             </a:r>
             <a:r>
-              <a:rPr lang="ko-KR" altLang="en-US" dirty="0" smtClean="0"/>
-              <a:t>리스트</a:t>
-            </a:r>
-            <a:r>
-              <a:rPr lang="en-US" altLang="ko-KR" dirty="0" smtClean="0"/>
-              <a:t>(list) </a:t>
-            </a:r>
-            <a:r>
-              <a:rPr lang="ko-KR" altLang="en-US" dirty="0" smtClean="0"/>
-              <a:t>반복 </a:t>
-            </a:r>
-            <a:r>
-              <a:rPr lang="en-US" altLang="ko-KR" dirty="0" smtClean="0"/>
-              <a:t>– in </a:t>
-            </a:r>
-            <a:r>
-              <a:rPr lang="ko-KR" altLang="en-US" dirty="0" smtClean="0"/>
-              <a:t>사용</a:t>
-            </a:r>
-            <a:r>
-              <a:rPr lang="en-US" altLang="ko-KR" dirty="0" smtClean="0"/>
+              <a:rPr lang="ko-KR" altLang="en-US" dirty="0" err="1"/>
+              <a:t>반복문</a:t>
+            </a:r>
+            <a:r>
+              <a:rPr lang="ko-KR" altLang="en-US" dirty="0"/>
               <a:t> </a:t>
+            </a:r>
+            <a:r>
+              <a:rPr lang="en-US" altLang="ko-KR" dirty="0"/>
+              <a:t>- for</a:t>
             </a:r>
             <a:endParaRPr lang="ko-KR" altLang="en-US" dirty="0"/>
           </a:p>
@@ -10834,31 +10746,29 @@
       </p:sp>
       <p:sp>
         <p:nvSpPr>
-          <p:cNvPr id="26" name="TextBox 25"/>
+          <p:cNvPr id="10" name="TextBox 9"/>
           <p:cNvSpPr txBox="1"/>
           <p:nvPr/>
         </p:nvSpPr>
         <p:spPr>
           <a:xfrm>
-            <a:off x="1335224" y="1336993"/>
-            <a:ext cx="3689784" cy="553998"/>
-          </a:xfrm>
-          <a:prstGeom prst="rect">
+            <a:off x="1496616" y="1628800"/>
+            <a:ext cx="4985158" cy="612934"/>
+          </a:xfrm>
+          <a:prstGeom prst="roundRect">
             <a:avLst/>
           </a:prstGeom>
-          <a:ln>
-            <a:noFill/>
-          </a:ln>
+          <a:ln/>
         </p:spPr>
         <p:style>
           <a:lnRef idx="2">
-            <a:schemeClr val="dk1"/>
+            <a:schemeClr val="accent5"/>
           </a:lnRef>
           <a:fillRef idx="1">
             <a:schemeClr val="lt1"/>
           </a:fillRef>
           <a:effectRef idx="0">
-            <a:schemeClr val="dk1"/>
+            <a:schemeClr val="accent5"/>
           </a:effectRef>
           <a:fontRef idx="minor">
             <a:schemeClr val="dk1"/>
@@ -10870,22 +10780,17 @@
           </a:bodyPr>
           <a:lstStyle/>
           <a:p>
-            <a:pPr marL="285750" indent="-285750">
+            <a:pPr>
               <a:lnSpc>
                 <a:spcPct val="150000"/>
               </a:lnSpc>
-              <a:buFont typeface="Wingdings" panose="05000000000000000000" pitchFamily="2" charset="2"/>
-              <a:buChar char="§"/>
             </a:pPr>
             <a:r>
-              <a:rPr lang="en-US" altLang="ko-KR" sz="2000" b="1" dirty="0">
-                <a:solidFill>
-                  <a:srgbClr val="C00000"/>
-                </a:solidFill>
+              <a:rPr lang="en-US" altLang="ko-KR" sz="2000" dirty="0" smtClean="0">
                 <a:latin typeface="휴먼엑스포" panose="02030504000101010101" pitchFamily="18" charset="-127"/>
                 <a:ea typeface="휴먼엑스포" panose="02030504000101010101" pitchFamily="18" charset="-127"/>
               </a:rPr>
-              <a:t>f</a:t>
+              <a:t>for x in </a:t>
             </a:r>
             <a:r>
               <a:rPr lang="en-US" altLang="ko-KR" sz="2000" b="1" dirty="0" smtClean="0">
@@ -10895,17 +10800,17 @@
                 <a:latin typeface="휴먼엑스포" panose="02030504000101010101" pitchFamily="18" charset="-127"/>
                 <a:ea typeface="휴먼엑스포" panose="02030504000101010101" pitchFamily="18" charset="-127"/>
               </a:rPr>
-              <a:t>or  </a:t>
-            </a:r>
-            <a:r>
-              <a:rPr lang="ko-KR" altLang="en-US" sz="2000" b="1" dirty="0" smtClean="0">
+              <a:t>range(</a:t>
+            </a:r>
+            <a:r>
+              <a:rPr lang="ko-KR" altLang="en-US" sz="2000" b="1" dirty="0" err="1" smtClean="0">
                 <a:solidFill>
                   <a:srgbClr val="C00000"/>
                 </a:solidFill>
                 <a:latin typeface="휴먼엑스포" panose="02030504000101010101" pitchFamily="18" charset="-127"/>
                 <a:ea typeface="휴먼엑스포" panose="02030504000101010101" pitchFamily="18" charset="-127"/>
               </a:rPr>
-              <a:t>변수  </a:t>
+              <a:t>시작값</a:t>
             </a:r>
             <a:r>
               <a:rPr lang="en-US" altLang="ko-KR" sz="2000" b="1" dirty="0" smtClean="0">
@@ -10915,17 +10820,17 @@
                 <a:latin typeface="휴먼엑스포" panose="02030504000101010101" pitchFamily="18" charset="-127"/>
                 <a:ea typeface="휴먼엑스포" panose="02030504000101010101" pitchFamily="18" charset="-127"/>
               </a:rPr>
-              <a:t>in  </a:t>
-            </a:r>
-            <a:r>
-              <a:rPr lang="ko-KR" altLang="en-US" sz="2000" b="1" dirty="0" smtClean="0">
+              <a:t>, </a:t>
+            </a:r>
+            <a:r>
+              <a:rPr lang="ko-KR" altLang="en-US" sz="2000" b="1" dirty="0" err="1" smtClean="0">
                 <a:solidFill>
                   <a:srgbClr val="C00000"/>
                 </a:solidFill>
                 <a:latin typeface="휴먼엑스포" panose="02030504000101010101" pitchFamily="18" charset="-127"/>
                 <a:ea typeface="휴먼엑스포" panose="02030504000101010101" pitchFamily="18" charset="-127"/>
               </a:rPr>
-              <a:t>리스트</a:t>
+              <a:t>종료값</a:t>
             </a:r>
             <a:r>
               <a:rPr lang="en-US" altLang="ko-KR" sz="2000" b="1" dirty="0" smtClean="0">
@@ -10935,7 +10840,34 @@
                 <a:latin typeface="휴먼엑스포" panose="02030504000101010101" pitchFamily="18" charset="-127"/>
                 <a:ea typeface="휴먼엑스포" panose="02030504000101010101" pitchFamily="18" charset="-127"/>
               </a:rPr>
-              <a:t>: </a:t>
+              <a:t>, </a:t>
+            </a:r>
+            <a:r>
+              <a:rPr lang="ko-KR" altLang="en-US" sz="2000" b="1" dirty="0" err="1" smtClean="0">
+                <a:solidFill>
+                  <a:srgbClr val="C00000"/>
+                </a:solidFill>
+                <a:latin typeface="휴먼엑스포" panose="02030504000101010101" pitchFamily="18" charset="-127"/>
+                <a:ea typeface="휴먼엑스포" panose="02030504000101010101" pitchFamily="18" charset="-127"/>
+              </a:rPr>
+              <a:t>증감값</a:t>
+            </a:r>
+            <a:r>
+              <a:rPr lang="en-US" altLang="ko-KR" sz="2000" b="1" dirty="0" smtClean="0">
+                <a:solidFill>
+                  <a:srgbClr val="C00000"/>
+                </a:solidFill>
+                <a:latin typeface="휴먼엑스포" panose="02030504000101010101" pitchFamily="18" charset="-127"/>
+                <a:ea typeface="휴먼엑스포" panose="02030504000101010101" pitchFamily="18" charset="-127"/>
+              </a:rPr>
+              <a:t>)</a:t>
+            </a:r>
+            <a:r>
+              <a:rPr lang="ko-KR" altLang="en-US" sz="2000" dirty="0" smtClean="0">
+                <a:latin typeface="휴먼엑스포" panose="02030504000101010101" pitchFamily="18" charset="-127"/>
+                <a:ea typeface="휴먼엑스포" panose="02030504000101010101" pitchFamily="18" charset="-127"/>
+              </a:rPr>
+              <a:t> </a:t>
             </a:r>
             <a:endParaRPr lang="en-US" altLang="ko-KR" sz="2000" dirty="0">
               <a:latin typeface="휴먼엑스포" panose="02030504000101010101" pitchFamily="18" charset="-127"/>
@@ -10946,7 +10878,7 @@
       </p:sp>
       <p:pic>
         <p:nvPicPr>
-          <p:cNvPr id="3" name="그림 2"/>
+          <p:cNvPr id="6" name="그림 5"/>
           <p:cNvPicPr>
             <a:picLocks noChangeAspect="1"/>
           </p:cNvPicPr>
@@ -10966,8 +10898,8 @@
         </p:blipFill>
         <p:spPr>
           <a:xfrm>
-            <a:off x="2025258" y="1988840"/>
-            <a:ext cx="3028824" cy="4176343"/>
+            <a:off x="2399319" y="2564904"/>
+            <a:ext cx="3439671" cy="3211985"/>
           </a:xfrm>
           <a:prstGeom prst="rect">
             <a:avLst/>
@@ -10981,44 +10913,10 @@
           </a:ln>
         </p:spPr>
       </p:pic>
-      <p:sp>
-        <p:nvSpPr>
-          <p:cNvPr id="6" name="TextBox 5"/>
-          <p:cNvSpPr txBox="1"/>
-          <p:nvPr/>
-        </p:nvSpPr>
-        <p:spPr>
-          <a:xfrm>
-            <a:off x="4651953" y="2893586"/>
-            <a:ext cx="1224136" cy="369332"/>
-          </a:xfrm>
-          <a:prstGeom prst="rect">
-            <a:avLst/>
-          </a:prstGeom>
-          <a:noFill/>
-        </p:spPr>
-        <p:txBody>
-          <a:bodyPr wrap="square" rtlCol="0">
-            <a:spAutoFit/>
-          </a:bodyPr>
-          <a:lstStyle/>
-          <a:p>
-            <a:r>
-              <a:rPr lang="en-US" altLang="ko-KR" dirty="0"/>
-              <a:t>f</a:t>
-            </a:r>
-            <a:r>
-              <a:rPr lang="en-US" altLang="ko-KR" dirty="0" smtClean="0"/>
-              <a:t>or_in1.py</a:t>
-            </a:r>
-            <a:endParaRPr lang="ko-KR" altLang="en-US" dirty="0"/>
-          </a:p>
-        </p:txBody>
-      </p:sp>
     </p:spTree>
     <p:extLst>
       <p:ext uri="{BB962C8B-B14F-4D97-AF65-F5344CB8AC3E}">
-        <p14:creationId xmlns:p14="http://schemas.microsoft.com/office/powerpoint/2010/main" val="3454137808"/>
+        <p14:creationId xmlns:p14="http://schemas.microsoft.com/office/powerpoint/2010/main" val="4102567412"/>
       </p:ext>
     </p:extLst>
   </p:cSld>
@@ -11130,8 +11028,8 @@
         </p:nvSpPr>
         <p:spPr>
           <a:xfrm>
-            <a:off x="1191208" y="1235368"/>
-            <a:ext cx="6960939" cy="969496"/>
+            <a:off x="1335224" y="1336993"/>
+            <a:ext cx="3689784" cy="553998"/>
           </a:xfrm>
           <a:prstGeom prst="rect">
             <a:avLst/>
@@ -11168,117 +11066,75 @@
               <a:buChar char="§"/>
             </a:pPr>
             <a:r>
-              <a:rPr lang="en-US" altLang="ko-KR" sz="2000" b="1" dirty="0" smtClean="0">
+              <a:rPr lang="en-US" altLang="ko-KR" sz="2000" b="1" dirty="0">
                 <a:solidFill>
                   <a:srgbClr val="C00000"/>
                 </a:solidFill>
                 <a:latin typeface="휴먼엑스포" panose="02030504000101010101" pitchFamily="18" charset="-127"/>
                 <a:ea typeface="휴먼엑스포" panose="02030504000101010101" pitchFamily="18" charset="-127"/>
               </a:rPr>
-              <a:t>if </a:t>
-            </a:r>
-            <a:r>
-              <a:rPr lang="ko-KR" altLang="en-US" sz="2000" b="1" dirty="0" smtClean="0">
+              <a:t>f</a:t>
+            </a:r>
+            <a:r>
+              <a:rPr lang="en-US" altLang="ko-KR" sz="2000" b="1" dirty="0" smtClean="0">
                 <a:solidFill>
                   <a:srgbClr val="C00000"/>
                 </a:solidFill>
                 <a:latin typeface="휴먼엑스포" panose="02030504000101010101" pitchFamily="18" charset="-127"/>
                 <a:ea typeface="휴먼엑스포" panose="02030504000101010101" pitchFamily="18" charset="-127"/>
               </a:rPr>
-              <a:t>변수</a:t>
-            </a:r>
-            <a:r>
-              <a:rPr lang="en-US" altLang="ko-KR" sz="2000" b="1" dirty="0" smtClean="0">
+              <a:t>or  </a:t>
+            </a:r>
+            <a:r>
+              <a:rPr lang="ko-KR" altLang="en-US" sz="2000" b="1" dirty="0" smtClean="0">
                 <a:solidFill>
                   <a:srgbClr val="C00000"/>
                 </a:solidFill>
                 <a:latin typeface="휴먼엑스포" panose="02030504000101010101" pitchFamily="18" charset="-127"/>
                 <a:ea typeface="휴먼엑스포" panose="02030504000101010101" pitchFamily="18" charset="-127"/>
               </a:rPr>
-              <a:t> in  [list] </a:t>
+              <a:t>변수  </a:t>
+            </a:r>
+            <a:r>
+              <a:rPr lang="en-US" altLang="ko-KR" sz="2000" b="1" dirty="0" smtClean="0">
+                <a:solidFill>
+                  <a:srgbClr val="C00000"/>
+                </a:solidFill>
+                <a:latin typeface="휴먼엑스포" panose="02030504000101010101" pitchFamily="18" charset="-127"/>
+                <a:ea typeface="휴먼엑스포" panose="02030504000101010101" pitchFamily="18" charset="-127"/>
+              </a:rPr>
+              <a:t>in  </a:t>
+            </a:r>
+            <a:r>
+              <a:rPr lang="ko-KR" altLang="en-US" sz="2000" b="1" dirty="0" smtClean="0">
+                <a:solidFill>
+                  <a:srgbClr val="C00000"/>
+                </a:solidFill>
+                <a:latin typeface="휴먼엑스포" panose="02030504000101010101" pitchFamily="18" charset="-127"/>
+                <a:ea typeface="휴먼엑스포" panose="02030504000101010101" pitchFamily="18" charset="-127"/>
+              </a:rPr>
+              <a:t>리스트</a:t>
+            </a:r>
+            <a:r>
+              <a:rPr lang="en-US" altLang="ko-KR" sz="2000" b="1" dirty="0" smtClean="0">
+                <a:solidFill>
+                  <a:srgbClr val="C00000"/>
+                </a:solidFill>
+                <a:latin typeface="휴먼엑스포" panose="02030504000101010101" pitchFamily="18" charset="-127"/>
+                <a:ea typeface="휴먼엑스포" panose="02030504000101010101" pitchFamily="18" charset="-127"/>
+              </a:rPr>
+              <a:t>: </a:t>
             </a:r>
             <a:endParaRPr lang="en-US" altLang="ko-KR" sz="2000" dirty="0">
               <a:latin typeface="휴먼엑스포" panose="02030504000101010101" pitchFamily="18" charset="-127"/>
               <a:ea typeface="휴먼엑스포" panose="02030504000101010101" pitchFamily="18" charset="-127"/>
             </a:endParaRPr>
           </a:p>
-          <a:p>
-            <a:pPr>
-              <a:lnSpc>
-                <a:spcPct val="150000"/>
-              </a:lnSpc>
-            </a:pPr>
-            <a:r>
-              <a:rPr lang="en-US" altLang="ko-KR" dirty="0" smtClean="0">
-                <a:latin typeface="휴먼엑스포" panose="02030504000101010101" pitchFamily="18" charset="-127"/>
-                <a:ea typeface="휴먼엑스포" panose="02030504000101010101" pitchFamily="18" charset="-127"/>
-              </a:rPr>
-              <a:t>   </a:t>
-            </a:r>
-            <a:r>
-              <a:rPr lang="ko-KR" altLang="en-US" dirty="0" smtClean="0">
-                <a:latin typeface="휴먼엑스포" panose="02030504000101010101" pitchFamily="18" charset="-127"/>
-                <a:ea typeface="휴먼엑스포" panose="02030504000101010101" pitchFamily="18" charset="-127"/>
-              </a:rPr>
-              <a:t>리스트 내부에 값이 있으면 </a:t>
-            </a:r>
-            <a:r>
-              <a:rPr lang="en-US" altLang="ko-KR" dirty="0" smtClean="0">
-                <a:latin typeface="휴먼엑스포" panose="02030504000101010101" pitchFamily="18" charset="-127"/>
-                <a:ea typeface="휴먼엑스포" panose="02030504000101010101" pitchFamily="18" charset="-127"/>
-              </a:rPr>
-              <a:t>True, </a:t>
-            </a:r>
-            <a:r>
-              <a:rPr lang="ko-KR" altLang="en-US" dirty="0" smtClean="0">
-                <a:latin typeface="휴먼엑스포" panose="02030504000101010101" pitchFamily="18" charset="-127"/>
-                <a:ea typeface="휴먼엑스포" panose="02030504000101010101" pitchFamily="18" charset="-127"/>
-              </a:rPr>
-              <a:t>없으면 </a:t>
-            </a:r>
-            <a:r>
-              <a:rPr lang="en-US" altLang="ko-KR" dirty="0" smtClean="0">
-                <a:latin typeface="휴먼엑스포" panose="02030504000101010101" pitchFamily="18" charset="-127"/>
-                <a:ea typeface="휴먼엑스포" panose="02030504000101010101" pitchFamily="18" charset="-127"/>
-              </a:rPr>
-              <a:t>False</a:t>
-            </a:r>
-          </a:p>
-        </p:txBody>
-      </p:sp>
-      <p:sp>
-        <p:nvSpPr>
-          <p:cNvPr id="8" name="TextBox 7"/>
-          <p:cNvSpPr txBox="1"/>
-          <p:nvPr/>
-        </p:nvSpPr>
-        <p:spPr>
-          <a:xfrm>
-            <a:off x="6349888" y="3284984"/>
-            <a:ext cx="1224136" cy="369332"/>
-          </a:xfrm>
-          <a:prstGeom prst="rect">
-            <a:avLst/>
-          </a:prstGeom>
-          <a:noFill/>
-        </p:spPr>
-        <p:txBody>
-          <a:bodyPr wrap="square" rtlCol="0">
-            <a:spAutoFit/>
-          </a:bodyPr>
-          <a:lstStyle/>
-          <a:p>
-            <a:r>
-              <a:rPr lang="en-US" altLang="ko-KR" dirty="0" smtClean="0"/>
-              <a:t>for_in2.py</a:t>
-            </a:r>
-            <a:endParaRPr lang="ko-KR" altLang="en-US" dirty="0"/>
-          </a:p>
         </p:txBody>
       </p:sp>
       <p:pic>
         <p:nvPicPr>
-          <p:cNvPr id="7" name="그림 6"/>
+          <p:cNvPr id="3" name="그림 2"/>
           <p:cNvPicPr>
             <a:picLocks noChangeAspect="1"/>
           </p:cNvPicPr>
@@ -11298,8 +11154,8 @@
         </p:blipFill>
         <p:spPr>
           <a:xfrm>
-            <a:off x="1712640" y="2420888"/>
-            <a:ext cx="3605371" cy="1138538"/>
+            <a:off x="2025258" y="1988840"/>
+            <a:ext cx="3028824" cy="4176343"/>
           </a:xfrm>
           <a:prstGeom prst="rect">
             <a:avLst/>
@@ -11313,47 +11169,44 @@
           </a:ln>
         </p:spPr>
       </p:pic>
-      <p:pic>
-        <p:nvPicPr>
-          <p:cNvPr id="3" name="그림 2"/>
-          <p:cNvPicPr>
-            <a:picLocks noChangeAspect="1"/>
-          </p:cNvPicPr>
+      <p:sp>
+        <p:nvSpPr>
+          <p:cNvPr id="6" name="TextBox 5"/>
+          <p:cNvSpPr txBox="1"/>
           <p:nvPr/>
-        </p:nvPicPr>
-        <p:blipFill>
-          <a:blip r:embed="rId3">
-            <a:extLst>
-              <a:ext uri="{28A0092B-C50C-407E-A947-70E740481C1C}">
-                <a14:useLocalDpi xmlns:a14="http://schemas.microsoft.com/office/drawing/2010/main" val="0"/>
-              </a:ext>
-            </a:extLst>
-          </a:blip>
-          <a:stretch>
-            <a:fillRect/>
-          </a:stretch>
-        </p:blipFill>
-        <p:spPr>
-          <a:xfrm>
-            <a:off x="1671818" y="3933056"/>
-            <a:ext cx="6520512" cy="2232248"/>
+        </p:nvSpPr>
+        <p:spPr>
+          <a:xfrm>
+            <a:off x="4651953" y="2893586"/>
+            <a:ext cx="1224136" cy="369332"/>
           </a:xfrm>
           <a:prstGeom prst="rect">
             <a:avLst/>
           </a:prstGeom>
-          <a:ln>
-            <a:solidFill>
-              <a:schemeClr val="bg1">
-                <a:lumMod val="85000"/>
-              </a:schemeClr>
-            </a:solidFill>
-          </a:ln>
-        </p:spPr>
-      </p:pic>
+          <a:noFill/>
+        </p:spPr>
+        <p:txBody>
+          <a:bodyPr wrap="square" rtlCol="0">
+            <a:spAutoFit/>
+          </a:bodyPr>
+          <a:lstStyle/>
+          <a:p>
+            <a:r>
+              <a:rPr lang="en-US" altLang="ko-KR" dirty="0"/>
+              <a:t>f</a:t>
+            </a:r>
+            <a:r>
+              <a:rPr lang="en-US" altLang="ko-KR" dirty="0" smtClean="0"/>
+              <a:t>or_in1.py</a:t>
+            </a:r>
+            <a:endParaRPr lang="ko-KR" altLang="en-US" dirty="0"/>
+          </a:p>
+        </p:txBody>
+      </p:sp>
     </p:spTree>
     <p:extLst>
       <p:ext uri="{BB962C8B-B14F-4D97-AF65-F5344CB8AC3E}">
-        <p14:creationId xmlns:p14="http://schemas.microsoft.com/office/powerpoint/2010/main" val="2957105652"/>
+        <p14:creationId xmlns:p14="http://schemas.microsoft.com/office/powerpoint/2010/main" val="3454137808"/>
       </p:ext>
     </p:extLst>
   </p:cSld>
@@ -11408,7 +11261,27 @@
             </a:r>
             <a:r>
               <a:rPr lang="ko-KR" altLang="en-US" dirty="0" smtClean="0"/>
-              <a:t>구구단 </a:t>
+              <a:t>리스트</a:t>
+            </a:r>
+            <a:r>
+              <a:rPr lang="en-US" altLang="ko-KR" dirty="0" smtClean="0"/>
+              <a:t>(list) </a:t>
+            </a:r>
+            <a:r>
+              <a:rPr lang="ko-KR" altLang="en-US" dirty="0" smtClean="0"/>
+              <a:t>반복 </a:t>
+            </a:r>
+            <a:r>
+              <a:rPr lang="en-US" altLang="ko-KR" dirty="0" smtClean="0"/>
+              <a:t>– in </a:t>
+            </a:r>
+            <a:r>
+              <a:rPr lang="ko-KR" altLang="en-US" dirty="0" smtClean="0"/>
+              <a:t>사용</a:t>
+            </a:r>
+            <a:r>
+              <a:rPr lang="en-US" altLang="ko-KR" dirty="0" smtClean="0"/>
+              <a:t> </a:t>
             </a:r>
             <a:endParaRPr lang="ko-KR" altLang="en-US" dirty="0"/>
           </a:p>
@@ -11439,24 +11312,84 @@
       </p:sp>
       <p:sp>
         <p:nvSpPr>
-          <p:cNvPr id="10" name="직사각형 9"/>
-          <p:cNvSpPr/>
+          <p:cNvPr id="26" name="TextBox 25"/>
+          <p:cNvSpPr txBox="1"/>
           <p:nvPr/>
         </p:nvSpPr>
         <p:spPr>
           <a:xfrm>
-            <a:off x="1136576" y="1294146"/>
-            <a:ext cx="5832648" cy="553998"/>
+            <a:off x="1191208" y="1235368"/>
+            <a:ext cx="6960939" cy="969496"/>
           </a:xfrm>
           <a:prstGeom prst="rect">
             <a:avLst/>
           </a:prstGeom>
-        </p:spPr>
-        <p:txBody>
-          <a:bodyPr wrap="square">
+          <a:ln>
+            <a:noFill/>
+          </a:ln>
+        </p:spPr>
+        <p:style>
+          <a:lnRef idx="2">
+            <a:schemeClr val="dk1"/>
+          </a:lnRef>
+          <a:fillRef idx="1">
+            <a:schemeClr val="lt1"/>
+          </a:fillRef>
+          <a:effectRef idx="0">
+            <a:schemeClr val="dk1"/>
+          </a:effectRef>
+          <a:fontRef idx="minor">
+            <a:schemeClr val="dk1"/>
+          </a:fontRef>
+        </p:style>
+        <p:txBody>
+          <a:bodyPr wrap="square" rtlCol="0">
             <a:spAutoFit/>
           </a:bodyPr>
           <a:lstStyle/>
+          <a:p>
+            <a:pPr marL="285750" indent="-285750">
+              <a:lnSpc>
+                <a:spcPct val="150000"/>
+              </a:lnSpc>
+              <a:buFont typeface="Wingdings" panose="05000000000000000000" pitchFamily="2" charset="2"/>
+              <a:buChar char="§"/>
+            </a:pPr>
+            <a:r>
+              <a:rPr lang="en-US" altLang="ko-KR" sz="2000" b="1" dirty="0" smtClean="0">
+                <a:solidFill>
+                  <a:srgbClr val="C00000"/>
+                </a:solidFill>
+                <a:latin typeface="휴먼엑스포" panose="02030504000101010101" pitchFamily="18" charset="-127"/>
+                <a:ea typeface="휴먼엑스포" panose="02030504000101010101" pitchFamily="18" charset="-127"/>
+              </a:rPr>
+              <a:t>if </a:t>
+            </a:r>
+            <a:r>
+              <a:rPr lang="ko-KR" altLang="en-US" sz="2000" b="1" dirty="0" smtClean="0">
+                <a:solidFill>
+                  <a:srgbClr val="C00000"/>
+                </a:solidFill>
+                <a:latin typeface="휴먼엑스포" panose="02030504000101010101" pitchFamily="18" charset="-127"/>
+                <a:ea typeface="휴먼엑스포" panose="02030504000101010101" pitchFamily="18" charset="-127"/>
+              </a:rPr>
+              <a:t>변수</a:t>
+            </a:r>
+            <a:r>
+              <a:rPr lang="en-US" altLang="ko-KR" sz="2000" b="1" dirty="0" smtClean="0">
+                <a:solidFill>
+                  <a:srgbClr val="C00000"/>
+                </a:solidFill>
+                <a:latin typeface="휴먼엑스포" panose="02030504000101010101" pitchFamily="18" charset="-127"/>
+                <a:ea typeface="휴먼엑스포" panose="02030504000101010101" pitchFamily="18" charset="-127"/>
+              </a:rPr>
+              <a:t> in  [list] </a:t>
+            </a:r>
+            <a:endParaRPr lang="en-US" altLang="ko-KR" sz="2000" dirty="0">
+              <a:latin typeface="휴먼엑스포" panose="02030504000101010101" pitchFamily="18" charset="-127"/>
+              <a:ea typeface="휴먼엑스포" panose="02030504000101010101" pitchFamily="18" charset="-127"/>
+            </a:endParaRPr>
+          </a:p>
           <a:p>
             <a:pPr>
               <a:lnSpc>
@@ -11464,28 +11397,76 @@
               </a:lnSpc>
             </a:pPr>
             <a:r>
-              <a:rPr lang="ko-KR" altLang="en-US" sz="2000" dirty="0"/>
-              <a:t> </a:t>
-            </a:r>
-            <a:r>
-              <a:rPr lang="ko-KR" altLang="en-US" sz="2000" dirty="0" smtClean="0"/>
-              <a:t>단을 </a:t>
-            </a:r>
-            <a:r>
-              <a:rPr lang="ko-KR" altLang="en-US" sz="2000" dirty="0" err="1" smtClean="0"/>
-              <a:t>입력받아</a:t>
-            </a:r>
-            <a:r>
-              <a:rPr lang="ko-KR" altLang="en-US" sz="2000" dirty="0" smtClean="0"/>
-              <a:t> 구구단 출력하기</a:t>
-            </a:r>
-            <a:endParaRPr lang="en-US" altLang="ko-KR" sz="2000" dirty="0"/>
+              <a:rPr lang="en-US" altLang="ko-KR" dirty="0" smtClean="0">
+                <a:latin typeface="휴먼엑스포" panose="02030504000101010101" pitchFamily="18" charset="-127"/>
+                <a:ea typeface="휴먼엑스포" panose="02030504000101010101" pitchFamily="18" charset="-127"/>
+              </a:rPr>
+              <a:t>   </a:t>
+            </a:r>
+            <a:r>
+              <a:rPr lang="ko-KR" altLang="en-US" dirty="0" smtClean="0">
+                <a:latin typeface="휴먼엑스포" panose="02030504000101010101" pitchFamily="18" charset="-127"/>
+                <a:ea typeface="휴먼엑스포" panose="02030504000101010101" pitchFamily="18" charset="-127"/>
+              </a:rPr>
+              <a:t>리스트 내부에 값이 있으면 </a:t>
+            </a:r>
+            <a:r>
+              <a:rPr lang="en-US" altLang="ko-KR" dirty="0" smtClean="0">
+                <a:latin typeface="휴먼엑스포" panose="02030504000101010101" pitchFamily="18" charset="-127"/>
+                <a:ea typeface="휴먼엑스포" panose="02030504000101010101" pitchFamily="18" charset="-127"/>
+              </a:rPr>
+              <a:t>True, </a:t>
+            </a:r>
+            <a:r>
+              <a:rPr lang="ko-KR" altLang="en-US" dirty="0" smtClean="0">
+                <a:latin typeface="휴먼엑스포" panose="02030504000101010101" pitchFamily="18" charset="-127"/>
+                <a:ea typeface="휴먼엑스포" panose="02030504000101010101" pitchFamily="18" charset="-127"/>
+              </a:rPr>
+              <a:t>없으면 </a:t>
+            </a:r>
+            <a:r>
+              <a:rPr lang="en-US" altLang="ko-KR" dirty="0" smtClean="0">
+                <a:latin typeface="휴먼엑스포" panose="02030504000101010101" pitchFamily="18" charset="-127"/>
+                <a:ea typeface="휴먼엑스포" panose="02030504000101010101" pitchFamily="18" charset="-127"/>
+              </a:rPr>
+              <a:t>False</a:t>
+            </a:r>
+          </a:p>
+        </p:txBody>
+      </p:sp>
+      <p:sp>
+        <p:nvSpPr>
+          <p:cNvPr id="8" name="TextBox 7"/>
+          <p:cNvSpPr txBox="1"/>
+          <p:nvPr/>
+        </p:nvSpPr>
+        <p:spPr>
+          <a:xfrm>
+            <a:off x="6349888" y="3284984"/>
+            <a:ext cx="1224136" cy="369332"/>
+          </a:xfrm>
+          <a:prstGeom prst="rect">
+            <a:avLst/>
+          </a:prstGeom>
+          <a:noFill/>
+        </p:spPr>
+        <p:txBody>
+          <a:bodyPr wrap="square" rtlCol="0">
+            <a:spAutoFit/>
+          </a:bodyPr>
+          <a:lstStyle/>
+          <a:p>
+            <a:r>
+              <a:rPr lang="en-US" altLang="ko-KR" dirty="0" smtClean="0"/>
+              <a:t>for_in2.py</a:t>
+            </a:r>
+            <a:endParaRPr lang="ko-KR" altLang="en-US" dirty="0"/>
           </a:p>
         </p:txBody>
       </p:sp>
       <p:pic>
         <p:nvPicPr>
-          <p:cNvPr id="6" name="그림 5"/>
+          <p:cNvPr id="7" name="그림 6"/>
           <p:cNvPicPr>
             <a:picLocks noChangeAspect="1"/>
           </p:cNvPicPr>
@@ -11505,8 +11486,8 @@
         </p:blipFill>
         <p:spPr>
           <a:xfrm>
-            <a:off x="1568624" y="1988840"/>
-            <a:ext cx="2065199" cy="2461473"/>
+            <a:off x="1712640" y="2420888"/>
+            <a:ext cx="3605371" cy="1138538"/>
           </a:xfrm>
           <a:prstGeom prst="rect">
             <a:avLst/>
@@ -11522,7 +11503,7 @@
       </p:pic>
       <p:pic>
         <p:nvPicPr>
-          <p:cNvPr id="7" name="그림 6"/>
+          <p:cNvPr id="3" name="그림 2"/>
           <p:cNvPicPr>
             <a:picLocks noChangeAspect="1"/>
           </p:cNvPicPr>
@@ -11542,8 +11523,8 @@
         </p:blipFill>
         <p:spPr>
           <a:xfrm>
-            <a:off x="4034172" y="2089554"/>
-            <a:ext cx="4953430" cy="1623201"/>
+            <a:off x="1671818" y="3933056"/>
+            <a:ext cx="6520512" cy="2232248"/>
           </a:xfrm>
           <a:prstGeom prst="rect">
             <a:avLst/>
@@ -11557,47 +11538,10 @@
           </a:ln>
         </p:spPr>
       </p:pic>
-      <p:pic>
-        <p:nvPicPr>
-          <p:cNvPr id="3" name="그림 2"/>
-          <p:cNvPicPr>
-            <a:picLocks noChangeAspect="1"/>
-          </p:cNvPicPr>
-          <p:nvPr/>
-        </p:nvPicPr>
-        <p:blipFill>
-          <a:blip r:embed="rId4">
-            <a:extLst>
-              <a:ext uri="{28A0092B-C50C-407E-A947-70E740481C1C}">
-                <a14:useLocalDpi xmlns:a14="http://schemas.microsoft.com/office/drawing/2010/main" val="0"/>
-              </a:ext>
-            </a:extLst>
-          </a:blip>
-          <a:stretch>
-            <a:fillRect/>
-          </a:stretch>
-        </p:blipFill>
-        <p:spPr>
-          <a:xfrm>
-            <a:off x="4024909" y="4002370"/>
-            <a:ext cx="4450534" cy="895886"/>
-          </a:xfrm>
-          <a:prstGeom prst="rect">
-            <a:avLst/>
-          </a:prstGeom>
-          <a:ln>
-            <a:solidFill>
-              <a:schemeClr val="bg1">
-                <a:lumMod val="85000"/>
-              </a:schemeClr>
-            </a:solidFill>
-          </a:ln>
-        </p:spPr>
-      </p:pic>
     </p:spTree>
     <p:extLst>
       <p:ext uri="{BB962C8B-B14F-4D97-AF65-F5344CB8AC3E}">
-        <p14:creationId xmlns:p14="http://schemas.microsoft.com/office/powerpoint/2010/main" val="22042609"/>
+        <p14:creationId xmlns:p14="http://schemas.microsoft.com/office/powerpoint/2010/main" val="2957105652"/>
       </p:ext>
     </p:extLst>
   </p:cSld>
@@ -11651,12 +11595,8 @@
               <a:t> </a:t>
             </a:r>
             <a:r>
-              <a:rPr lang="en-US" altLang="ko-KR" dirty="0" smtClean="0"/>
-              <a:t>Continue</a:t>
-            </a:r>
-            <a:r>
               <a:rPr lang="ko-KR" altLang="en-US" dirty="0" smtClean="0"/>
-              <a:t>문</a:t>
+              <a:t>구구단 </a:t>
             </a:r>
             <a:endParaRPr lang="ko-KR" altLang="en-US" dirty="0"/>
           </a:p>
@@ -11687,74 +11627,53 @@
       </p:sp>
       <p:sp>
         <p:nvSpPr>
-          <p:cNvPr id="11" name="TextBox 10"/>
-          <p:cNvSpPr txBox="1"/>
+          <p:cNvPr id="10" name="직사각형 9"/>
+          <p:cNvSpPr/>
           <p:nvPr/>
         </p:nvSpPr>
         <p:spPr>
           <a:xfrm>
-            <a:off x="992560" y="1234790"/>
-            <a:ext cx="2304256" cy="509178"/>
+            <a:off x="1136576" y="1294146"/>
+            <a:ext cx="5832648" cy="553998"/>
           </a:xfrm>
           <a:prstGeom prst="rect">
             <a:avLst/>
           </a:prstGeom>
-          <a:noFill/>
-          <a:ln>
-            <a:noFill/>
-          </a:ln>
-        </p:spPr>
-        <p:style>
-          <a:lnRef idx="1">
-            <a:schemeClr val="accent3"/>
-          </a:lnRef>
-          <a:fillRef idx="2">
-            <a:schemeClr val="accent3"/>
-          </a:fillRef>
-          <a:effectRef idx="1">
-            <a:schemeClr val="accent3"/>
-          </a:effectRef>
-          <a:fontRef idx="minor">
-            <a:schemeClr val="dk1"/>
-          </a:fontRef>
-        </p:style>
-        <p:txBody>
-          <a:bodyPr wrap="square" rtlCol="0">
+        </p:spPr>
+        <p:txBody>
+          <a:bodyPr wrap="square">
             <a:spAutoFit/>
           </a:bodyPr>
           <a:lstStyle/>
           <a:p>
-            <a:pPr marL="342900" indent="-342900">
+            <a:pPr>
               <a:lnSpc>
                 <a:spcPct val="150000"/>
               </a:lnSpc>
-              <a:buFont typeface="Wingdings" panose="05000000000000000000" pitchFamily="2" charset="2"/>
-              <a:buChar char="l"/>
             </a:pPr>
             <a:r>
-              <a:rPr lang="en-US" altLang="ko-KR" sz="2000" dirty="0" smtClean="0">
-                <a:latin typeface="휴먼엑스포" panose="02030504000101010101" pitchFamily="18" charset="-127"/>
-                <a:ea typeface="휴먼엑스포" panose="02030504000101010101" pitchFamily="18" charset="-127"/>
-              </a:rPr>
-              <a:t>continue </a:t>
-            </a:r>
-            <a:r>
-              <a:rPr lang="ko-KR" altLang="en-US" sz="2000" dirty="0" smtClean="0">
-                <a:latin typeface="휴먼엑스포" panose="02030504000101010101" pitchFamily="18" charset="-127"/>
-                <a:ea typeface="휴먼엑스포" panose="02030504000101010101" pitchFamily="18" charset="-127"/>
-              </a:rPr>
-              <a:t>문</a:t>
-            </a:r>
-            <a:endParaRPr lang="en-US" altLang="ko-KR" sz="2000" dirty="0">
-              <a:latin typeface="휴먼엑스포" panose="02030504000101010101" pitchFamily="18" charset="-127"/>
-              <a:ea typeface="휴먼엑스포" panose="02030504000101010101" pitchFamily="18" charset="-127"/>
-            </a:endParaRPr>
+              <a:rPr lang="ko-KR" altLang="en-US" sz="2000" dirty="0"/>
+              <a:t> </a:t>
+            </a:r>
+            <a:r>
+              <a:rPr lang="ko-KR" altLang="en-US" sz="2000" dirty="0" smtClean="0"/>
+              <a:t>단을 </a:t>
+            </a:r>
+            <a:r>
+              <a:rPr lang="ko-KR" altLang="en-US" sz="2000" dirty="0" err="1" smtClean="0"/>
+              <a:t>입력받아</a:t>
+            </a:r>
+            <a:r>
+              <a:rPr lang="ko-KR" altLang="en-US" sz="2000" dirty="0" smtClean="0"/>
+              <a:t> 구구단 출력하기</a:t>
+            </a:r>
+            <a:endParaRPr lang="en-US" altLang="ko-KR" sz="2000" dirty="0"/>
           </a:p>
         </p:txBody>
       </p:sp>
       <p:pic>
         <p:nvPicPr>
-          <p:cNvPr id="3" name="그림 2"/>
+          <p:cNvPr id="6" name="그림 5"/>
           <p:cNvPicPr>
             <a:picLocks noChangeAspect="1"/>
           </p:cNvPicPr>
@@ -11774,8 +11693,8 @@
         </p:blipFill>
         <p:spPr>
           <a:xfrm>
-            <a:off x="4953000" y="2060848"/>
-            <a:ext cx="3162741" cy="1181265"/>
+            <a:off x="1496616" y="2089554"/>
+            <a:ext cx="2065199" cy="2461473"/>
           </a:xfrm>
           <a:prstGeom prst="rect">
             <a:avLst/>
@@ -11811,8 +11730,8 @@
         </p:blipFill>
         <p:spPr>
           <a:xfrm>
-            <a:off x="4978896" y="3501008"/>
-            <a:ext cx="3172268" cy="2476846"/>
+            <a:off x="3848083" y="2204864"/>
+            <a:ext cx="5562617" cy="1944216"/>
           </a:xfrm>
           <a:prstGeom prst="rect">
             <a:avLst/>
@@ -11826,294 +11745,10 @@
           </a:ln>
         </p:spPr>
       </p:pic>
-      <p:sp>
-        <p:nvSpPr>
-          <p:cNvPr id="7" name="TextBox 6"/>
-          <p:cNvSpPr txBox="1"/>
-          <p:nvPr/>
-        </p:nvSpPr>
-        <p:spPr>
-          <a:xfrm>
-            <a:off x="1424608" y="2060848"/>
-            <a:ext cx="2880320" cy="2145268"/>
-          </a:xfrm>
-          <a:prstGeom prst="roundRect">
-            <a:avLst/>
-          </a:prstGeom>
-        </p:spPr>
-        <p:style>
-          <a:lnRef idx="2">
-            <a:schemeClr val="accent1"/>
-          </a:lnRef>
-          <a:fillRef idx="1">
-            <a:schemeClr val="lt1"/>
-          </a:fillRef>
-          <a:effectRef idx="0">
-            <a:schemeClr val="accent1"/>
-          </a:effectRef>
-          <a:fontRef idx="minor">
-            <a:schemeClr val="dk1"/>
-          </a:fontRef>
-        </p:style>
-        <p:txBody>
-          <a:bodyPr wrap="square" rtlCol="0">
-            <a:spAutoFit/>
-          </a:bodyPr>
-          <a:lstStyle/>
-          <a:p>
-            <a:pPr>
-              <a:lnSpc>
-                <a:spcPct val="150000"/>
-              </a:lnSpc>
-            </a:pPr>
-            <a:r>
-              <a:rPr lang="en-US" altLang="ko-KR" sz="2000" dirty="0" smtClean="0"/>
-              <a:t>for ~ in :</a:t>
-            </a:r>
-          </a:p>
-          <a:p>
-            <a:pPr>
-              <a:lnSpc>
-                <a:spcPct val="150000"/>
-              </a:lnSpc>
-            </a:pPr>
-            <a:r>
-              <a:rPr lang="en-US" altLang="ko-KR" sz="2000" dirty="0"/>
-              <a:t> </a:t>
-            </a:r>
-            <a:r>
-              <a:rPr lang="en-US" altLang="ko-KR" sz="2000" dirty="0" smtClean="0"/>
-              <a:t>   if </a:t>
-            </a:r>
-            <a:r>
-              <a:rPr lang="ko-KR" altLang="en-US" sz="2000" dirty="0" smtClean="0"/>
-              <a:t>조건 </a:t>
-            </a:r>
-            <a:r>
-              <a:rPr lang="en-US" altLang="ko-KR" sz="2000" dirty="0" smtClean="0"/>
-              <a:t>:</a:t>
-            </a:r>
-          </a:p>
-          <a:p>
-            <a:pPr>
-              <a:lnSpc>
-                <a:spcPct val="150000"/>
-              </a:lnSpc>
-            </a:pPr>
-            <a:r>
-              <a:rPr lang="en-US" altLang="ko-KR" sz="2000" dirty="0"/>
-              <a:t> </a:t>
-            </a:r>
-            <a:r>
-              <a:rPr lang="en-US" altLang="ko-KR" sz="2000" dirty="0" smtClean="0"/>
-              <a:t>      </a:t>
-            </a:r>
-            <a:r>
-              <a:rPr lang="en-US" altLang="ko-KR" sz="2000" dirty="0" smtClean="0">
-                <a:solidFill>
-                  <a:srgbClr val="C00000"/>
-                </a:solidFill>
-              </a:rPr>
-              <a:t>continue</a:t>
-            </a:r>
-          </a:p>
-          <a:p>
-            <a:pPr>
-              <a:lnSpc>
-                <a:spcPct val="150000"/>
-              </a:lnSpc>
-            </a:pPr>
-            <a:r>
-              <a:rPr lang="en-US" altLang="ko-KR" sz="2000" dirty="0"/>
-              <a:t> </a:t>
-            </a:r>
-            <a:r>
-              <a:rPr lang="en-US" altLang="ko-KR" sz="2000" dirty="0" smtClean="0"/>
-              <a:t>   </a:t>
-            </a:r>
-            <a:r>
-              <a:rPr lang="ko-KR" altLang="en-US" sz="2000" dirty="0" err="1" smtClean="0"/>
-              <a:t>수행문</a:t>
-            </a:r>
-            <a:endParaRPr lang="en-US" altLang="ko-KR" sz="2000" dirty="0" smtClean="0"/>
-          </a:p>
-        </p:txBody>
-      </p:sp>
-      <p:sp>
-        <p:nvSpPr>
-          <p:cNvPr id="6" name="TextBox 5"/>
-          <p:cNvSpPr txBox="1"/>
-          <p:nvPr/>
-        </p:nvSpPr>
-        <p:spPr>
-          <a:xfrm>
-            <a:off x="1496616" y="4509120"/>
-            <a:ext cx="2952328" cy="1285288"/>
-          </a:xfrm>
-          <a:prstGeom prst="rect">
-            <a:avLst/>
-          </a:prstGeom>
-          <a:ln w="12700">
-            <a:noFill/>
-          </a:ln>
-        </p:spPr>
-        <p:style>
-          <a:lnRef idx="2">
-            <a:schemeClr val="accent5"/>
-          </a:lnRef>
-          <a:fillRef idx="1">
-            <a:schemeClr val="lt1"/>
-          </a:fillRef>
-          <a:effectRef idx="0">
-            <a:schemeClr val="accent5"/>
-          </a:effectRef>
-          <a:fontRef idx="minor">
-            <a:schemeClr val="dk1"/>
-          </a:fontRef>
-        </p:style>
-        <p:txBody>
-          <a:bodyPr wrap="square" rtlCol="0">
-            <a:spAutoFit/>
-          </a:bodyPr>
-          <a:lstStyle/>
-          <a:p>
-            <a:pPr>
-              <a:lnSpc>
-                <a:spcPct val="150000"/>
-              </a:lnSpc>
-            </a:pPr>
-            <a:r>
-              <a:rPr lang="ko-KR" altLang="en-US" dirty="0" smtClean="0">
-                <a:ln>
-                  <a:solidFill>
-                    <a:schemeClr val="bg1">
-                      <a:lumMod val="65000"/>
-                    </a:schemeClr>
-                  </a:solidFill>
-                </a:ln>
-                <a:solidFill>
-                  <a:sysClr val="windowText" lastClr="000000"/>
-                </a:solidFill>
-              </a:rPr>
-              <a:t>반복하다 조건에 맞으면</a:t>
-            </a:r>
-            <a:endParaRPr lang="en-US" altLang="ko-KR" dirty="0" smtClean="0">
-              <a:ln>
-                <a:solidFill>
-                  <a:schemeClr val="bg1">
-                    <a:lumMod val="65000"/>
-                  </a:schemeClr>
-                </a:solidFill>
-              </a:ln>
-              <a:solidFill>
-                <a:sysClr val="windowText" lastClr="000000"/>
-              </a:solidFill>
-            </a:endParaRPr>
-          </a:p>
-          <a:p>
-            <a:pPr>
-              <a:lnSpc>
-                <a:spcPct val="150000"/>
-              </a:lnSpc>
-            </a:pPr>
-            <a:r>
-              <a:rPr lang="ko-KR" altLang="en-US" dirty="0" err="1" smtClean="0">
-                <a:ln>
-                  <a:solidFill>
-                    <a:schemeClr val="bg1">
-                      <a:lumMod val="65000"/>
-                    </a:schemeClr>
-                  </a:solidFill>
-                </a:ln>
-                <a:solidFill>
-                  <a:sysClr val="windowText" lastClr="000000"/>
-                </a:solidFill>
-              </a:rPr>
-              <a:t>수행문을</a:t>
-            </a:r>
-            <a:r>
-              <a:rPr lang="ko-KR" altLang="en-US" dirty="0" smtClean="0">
-                <a:ln>
-                  <a:solidFill>
-                    <a:schemeClr val="bg1">
-                      <a:lumMod val="65000"/>
-                    </a:schemeClr>
-                  </a:solidFill>
-                </a:ln>
-                <a:solidFill>
-                  <a:sysClr val="windowText" lastClr="000000"/>
-                </a:solidFill>
-              </a:rPr>
-              <a:t> 처리하지 않고</a:t>
-            </a:r>
-            <a:endParaRPr lang="en-US" altLang="ko-KR" dirty="0" smtClean="0">
-              <a:ln>
-                <a:solidFill>
-                  <a:schemeClr val="bg1">
-                    <a:lumMod val="65000"/>
-                  </a:schemeClr>
-                </a:solidFill>
-              </a:ln>
-              <a:solidFill>
-                <a:sysClr val="windowText" lastClr="000000"/>
-              </a:solidFill>
-            </a:endParaRPr>
-          </a:p>
-          <a:p>
-            <a:pPr>
-              <a:lnSpc>
-                <a:spcPct val="150000"/>
-              </a:lnSpc>
-            </a:pPr>
-            <a:r>
-              <a:rPr lang="ko-KR" altLang="en-US" dirty="0" smtClean="0">
-                <a:ln>
-                  <a:solidFill>
-                    <a:schemeClr val="bg1">
-                      <a:lumMod val="65000"/>
-                    </a:schemeClr>
-                  </a:solidFill>
-                </a:ln>
-                <a:solidFill>
-                  <a:sysClr val="windowText" lastClr="000000"/>
-                </a:solidFill>
-              </a:rPr>
-              <a:t>다시 반복한다</a:t>
-            </a:r>
-            <a:r>
-              <a:rPr lang="en-US" altLang="ko-KR" dirty="0" smtClean="0">
-                <a:ln>
-                  <a:solidFill>
-                    <a:schemeClr val="bg1">
-                      <a:lumMod val="65000"/>
-                    </a:schemeClr>
-                  </a:solidFill>
-                </a:ln>
-                <a:solidFill>
-                  <a:sysClr val="windowText" lastClr="000000"/>
-                </a:solidFill>
-              </a:rPr>
-              <a:t>.</a:t>
-            </a:r>
-            <a:endParaRPr lang="ko-KR" altLang="en-US" dirty="0">
-              <a:ln>
-                <a:solidFill>
-                  <a:schemeClr val="bg1">
-                    <a:lumMod val="65000"/>
-                  </a:schemeClr>
-                </a:solidFill>
-              </a:ln>
-              <a:solidFill>
-                <a:sysClr val="windowText" lastClr="000000"/>
-              </a:solidFill>
-            </a:endParaRPr>
-          </a:p>
-        </p:txBody>
-      </p:sp>
     </p:spTree>
     <p:extLst>
       <p:ext uri="{BB962C8B-B14F-4D97-AF65-F5344CB8AC3E}">
-        <p14:creationId xmlns:p14="http://schemas.microsoft.com/office/powerpoint/2010/main" val="3433125074"/>
+        <p14:creationId xmlns:p14="http://schemas.microsoft.com/office/powerpoint/2010/main" val="22042609"/>
       </p:ext>
     </p:extLst>
   </p:cSld>
@@ -12157,24 +11792,24 @@
             <p:ph type="title"/>
           </p:nvPr>
         </p:nvSpPr>
-        <p:spPr>
-          <a:xfrm>
-            <a:off x="416497" y="197768"/>
-            <a:ext cx="6412780" cy="854968"/>
-          </a:xfrm>
-        </p:spPr>
-        <p:txBody>
-          <a:bodyPr>
-            <a:noAutofit/>
-          </a:bodyPr>
-          <a:lstStyle/>
-          <a:p>
-            <a:pPr algn="ctr"/>
-            <a:r>
-              <a:rPr lang="ko-KR" altLang="en-US" sz="2800" dirty="0" err="1" smtClean="0"/>
-              <a:t>반복문</a:t>
-            </a:r>
-            <a:endParaRPr lang="ko-KR" altLang="en-US" sz="2800" dirty="0"/>
+        <p:spPr/>
+        <p:txBody>
+          <a:bodyPr/>
+          <a:lstStyle/>
+          <a:p>
+            <a:r>
+              <a:rPr lang="en-US" altLang="ko-KR" dirty="0"/>
+              <a:t> </a:t>
+            </a:r>
+            <a:r>
+              <a:rPr lang="en-US" altLang="ko-KR" dirty="0" smtClean="0"/>
+              <a:t>Continue</a:t>
+            </a:r>
+            <a:r>
+              <a:rPr lang="ko-KR" altLang="en-US" dirty="0" smtClean="0"/>
+              <a:t>문</a:t>
+            </a:r>
+            <a:endParaRPr lang="ko-KR" altLang="en-US" dirty="0"/>
           </a:p>
         </p:txBody>
       </p:sp>
@@ -12203,541 +11838,68 @@
       </p:sp>
       <p:sp>
         <p:nvSpPr>
-          <p:cNvPr id="31" name="TextBox 30"/>
+          <p:cNvPr id="11" name="TextBox 10"/>
           <p:cNvSpPr txBox="1"/>
           <p:nvPr/>
         </p:nvSpPr>
         <p:spPr>
           <a:xfrm>
-            <a:off x="956556" y="1168876"/>
-            <a:ext cx="3060340" cy="1107996"/>
+            <a:off x="992560" y="1234790"/>
+            <a:ext cx="2304256" cy="509178"/>
           </a:xfrm>
           <a:prstGeom prst="rect">
             <a:avLst/>
           </a:prstGeom>
           <a:noFill/>
-        </p:spPr>
-        <p:txBody>
-          <a:bodyPr wrap="square" rtlCol="0">
-            <a:spAutoFit/>
-          </a:bodyPr>
-          <a:lstStyle/>
-          <a:p>
-            <a:pPr>
-              <a:lnSpc>
-                <a:spcPct val="150000"/>
-              </a:lnSpc>
-            </a:pPr>
-            <a:r>
-              <a:rPr lang="ko-KR" altLang="en-US" sz="2000" b="1" dirty="0"/>
-              <a:t> </a:t>
-            </a:r>
-            <a:r>
-              <a:rPr lang="ko-KR" altLang="en-US" sz="2000" b="1" dirty="0" smtClean="0"/>
-              <a:t>이중 </a:t>
-            </a:r>
-            <a:r>
-              <a:rPr lang="en-US" altLang="ko-KR" sz="2000" b="1" dirty="0" smtClean="0"/>
-              <a:t>for</a:t>
-            </a:r>
-            <a:r>
-              <a:rPr lang="ko-KR" altLang="en-US" sz="2400" b="1" dirty="0" smtClean="0"/>
-              <a:t>문</a:t>
-            </a:r>
-            <a:endParaRPr lang="en-US" altLang="ko-KR" sz="2400" b="1" dirty="0" smtClean="0"/>
-          </a:p>
-          <a:p>
-            <a:pPr>
-              <a:lnSpc>
-                <a:spcPct val="150000"/>
-              </a:lnSpc>
-            </a:pPr>
-            <a:r>
-              <a:rPr lang="en-US" altLang="ko-KR" sz="2000" dirty="0" smtClean="0"/>
-              <a:t>  - </a:t>
-            </a:r>
-            <a:r>
-              <a:rPr lang="ko-KR" altLang="en-US" sz="2000" dirty="0" smtClean="0"/>
-              <a:t>행</a:t>
-            </a:r>
-            <a:r>
-              <a:rPr lang="en-US" altLang="ko-KR" sz="2000" dirty="0" smtClean="0"/>
-              <a:t>, </a:t>
-            </a:r>
-            <a:r>
-              <a:rPr lang="ko-KR" altLang="en-US" sz="2000" dirty="0" smtClean="0"/>
-              <a:t>열 구현하기</a:t>
-            </a:r>
-            <a:r>
-              <a:rPr lang="en-US" altLang="ko-KR" sz="2000" dirty="0" smtClean="0"/>
-              <a:t>   </a:t>
-            </a:r>
-          </a:p>
-        </p:txBody>
-      </p:sp>
-      <p:sp>
-        <p:nvSpPr>
-          <p:cNvPr id="10" name="모서리가 둥근 직사각형 9"/>
-          <p:cNvSpPr/>
-          <p:nvPr/>
-        </p:nvSpPr>
-        <p:spPr>
-          <a:xfrm>
-            <a:off x="1568624" y="2415019"/>
-            <a:ext cx="3384376" cy="2548156"/>
-          </a:xfrm>
-          <a:prstGeom prst="roundRect">
-            <a:avLst/>
-          </a:prstGeom>
-          <a:ln w="12700">
+          <a:ln>
             <a:noFill/>
           </a:ln>
         </p:spPr>
         <p:style>
-          <a:lnRef idx="2">
-            <a:schemeClr val="dk1"/>
+          <a:lnRef idx="1">
+            <a:schemeClr val="accent3"/>
           </a:lnRef>
-          <a:fillRef idx="1">
-            <a:schemeClr val="lt1"/>
+          <a:fillRef idx="2">
+            <a:schemeClr val="accent3"/>
           </a:fillRef>
-          <a:effectRef idx="0">
-            <a:schemeClr val="dk1"/>
+          <a:effectRef idx="1">
+            <a:schemeClr val="accent3"/>
           </a:effectRef>
           <a:fontRef idx="minor">
             <a:schemeClr val="dk1"/>
           </a:fontRef>
         </p:style>
         <p:txBody>
-          <a:bodyPr rtlCol="0" anchor="ctr"/>
-          <a:lstStyle/>
-          <a:p>
-            <a:pPr>
+          <a:bodyPr wrap="square" rtlCol="0">
+            <a:spAutoFit/>
+          </a:bodyPr>
+          <a:lstStyle/>
+          <a:p>
+            <a:pPr marL="342900" indent="-342900">
               <a:lnSpc>
                 <a:spcPct val="150000"/>
               </a:lnSpc>
+              <a:buFont typeface="Wingdings" panose="05000000000000000000" pitchFamily="2" charset="2"/>
+              <a:buChar char="l"/>
             </a:pPr>
             <a:r>
-              <a:rPr lang="en-US" altLang="ko-KR" b="1" dirty="0" smtClean="0">
-                <a:solidFill>
-                  <a:sysClr val="windowText" lastClr="000000"/>
-                </a:solidFill>
-              </a:rPr>
-              <a:t>for</a:t>
-            </a:r>
-            <a:r>
-              <a:rPr lang="en-US" altLang="ko-KR" dirty="0" smtClean="0">
-                <a:solidFill>
-                  <a:sysClr val="windowText" lastClr="000000"/>
-                </a:solidFill>
-              </a:rPr>
-              <a:t> </a:t>
-            </a:r>
-            <a:r>
-              <a:rPr lang="en-US" altLang="ko-KR" b="1" dirty="0">
-                <a:solidFill>
-                  <a:schemeClr val="tx1"/>
-                </a:solidFill>
-              </a:rPr>
-              <a:t>i</a:t>
-            </a:r>
-            <a:r>
-              <a:rPr lang="en-US" altLang="ko-KR" b="1" dirty="0" smtClean="0">
-                <a:solidFill>
-                  <a:schemeClr val="tx1"/>
-                </a:solidFill>
-              </a:rPr>
-              <a:t> in range(1, 6)</a:t>
-            </a:r>
-          </a:p>
-          <a:p>
-            <a:pPr>
-              <a:lnSpc>
-                <a:spcPct val="150000"/>
-              </a:lnSpc>
-            </a:pPr>
-            <a:r>
-              <a:rPr lang="en-US" altLang="ko-KR" dirty="0">
-                <a:solidFill>
-                  <a:sysClr val="windowText" lastClr="000000"/>
-                </a:solidFill>
-              </a:rPr>
-              <a:t> </a:t>
-            </a:r>
-            <a:r>
-              <a:rPr lang="en-US" altLang="ko-KR" dirty="0" smtClean="0">
-                <a:solidFill>
-                  <a:sysClr val="windowText" lastClr="000000"/>
-                </a:solidFill>
-              </a:rPr>
-              <a:t> </a:t>
-            </a:r>
-            <a:r>
-              <a:rPr lang="en-US" altLang="ko-KR" b="1" dirty="0" smtClean="0">
-                <a:solidFill>
-                  <a:sysClr val="windowText" lastClr="000000"/>
-                </a:solidFill>
-              </a:rPr>
-              <a:t>for j in range(1, 6)</a:t>
-            </a:r>
-            <a:r>
-              <a:rPr lang="ko-KR" altLang="en-US" dirty="0" smtClean="0">
-                <a:solidFill>
-                  <a:sysClr val="windowText" lastClr="000000"/>
-                </a:solidFill>
-              </a:rPr>
-              <a:t> </a:t>
-            </a:r>
-            <a:endParaRPr lang="en-US" altLang="ko-KR" dirty="0">
-              <a:solidFill>
-                <a:sysClr val="windowText" lastClr="000000"/>
-              </a:solidFill>
+              <a:rPr lang="en-US" altLang="ko-KR" sz="2000" dirty="0" smtClean="0">
+                <a:latin typeface="휴먼엑스포" panose="02030504000101010101" pitchFamily="18" charset="-127"/>
+                <a:ea typeface="휴먼엑스포" panose="02030504000101010101" pitchFamily="18" charset="-127"/>
+              </a:rPr>
+              <a:t>continue </a:t>
+            </a:r>
+            <a:r>
+              <a:rPr lang="ko-KR" altLang="en-US" sz="2000" dirty="0" smtClean="0">
+                <a:latin typeface="휴먼엑스포" panose="02030504000101010101" pitchFamily="18" charset="-127"/>
+                <a:ea typeface="휴먼엑스포" panose="02030504000101010101" pitchFamily="18" charset="-127"/>
+              </a:rPr>
+              <a:t>문</a:t>
+            </a:r>
+            <a:endParaRPr lang="en-US" altLang="ko-KR" sz="2000" dirty="0">
+              <a:latin typeface="휴먼엑스포" panose="02030504000101010101" pitchFamily="18" charset="-127"/>
+              <a:ea typeface="휴먼엑스포" panose="02030504000101010101" pitchFamily="18" charset="-127"/>
             </a:endParaRPr>
-          </a:p>
-          <a:p>
-            <a:pPr>
-              <a:lnSpc>
-                <a:spcPct val="150000"/>
-              </a:lnSpc>
-            </a:pPr>
-            <a:r>
-              <a:rPr lang="ko-KR" altLang="en-US" dirty="0">
-                <a:solidFill>
-                  <a:sysClr val="windowText" lastClr="000000"/>
-                </a:solidFill>
-              </a:rPr>
-              <a:t> </a:t>
-            </a:r>
-            <a:r>
-              <a:rPr lang="ko-KR" altLang="en-US" dirty="0" smtClean="0">
-                <a:solidFill>
-                  <a:sysClr val="windowText" lastClr="000000"/>
-                </a:solidFill>
-              </a:rPr>
-              <a:t>    </a:t>
-            </a:r>
-            <a:r>
-              <a:rPr lang="ko-KR" altLang="en-US" dirty="0" err="1" smtClean="0">
-                <a:solidFill>
-                  <a:sysClr val="windowText" lastClr="000000"/>
-                </a:solidFill>
-              </a:rPr>
-              <a:t>실행문</a:t>
-            </a:r>
-            <a:r>
-              <a:rPr lang="en-US" altLang="ko-KR" dirty="0" smtClean="0">
-                <a:solidFill>
-                  <a:sysClr val="windowText" lastClr="000000"/>
-                </a:solidFill>
-              </a:rPr>
-              <a:t>;</a:t>
-            </a:r>
-            <a:endParaRPr lang="en-US" altLang="ko-KR" dirty="0">
-              <a:solidFill>
-                <a:sysClr val="windowText" lastClr="000000"/>
-              </a:solidFill>
-            </a:endParaRPr>
-          </a:p>
-          <a:p>
-            <a:pPr>
-              <a:lnSpc>
-                <a:spcPct val="150000"/>
-              </a:lnSpc>
-            </a:pPr>
-            <a:r>
-              <a:rPr lang="en-US" altLang="ko-KR" sz="2000" dirty="0" smtClean="0">
-                <a:solidFill>
-                  <a:sysClr val="windowText" lastClr="000000"/>
-                </a:solidFill>
-              </a:rPr>
-              <a:t>  </a:t>
-            </a:r>
-            <a:r>
-              <a:rPr lang="en-US" altLang="ko-KR" b="1" dirty="0" smtClean="0">
-                <a:solidFill>
-                  <a:sysClr val="windowText" lastClr="000000"/>
-                </a:solidFill>
-              </a:rPr>
-              <a:t>print()</a:t>
-            </a:r>
-          </a:p>
-          <a:p>
-            <a:pPr>
-              <a:lnSpc>
-                <a:spcPct val="150000"/>
-              </a:lnSpc>
-            </a:pPr>
-            <a:endParaRPr lang="en-US" altLang="ko-KR" sz="2000" dirty="0">
-              <a:solidFill>
-                <a:sysClr val="windowText" lastClr="000000"/>
-              </a:solidFill>
-            </a:endParaRPr>
-          </a:p>
-        </p:txBody>
-      </p:sp>
-      <p:sp>
-        <p:nvSpPr>
-          <p:cNvPr id="11" name="모서리가 둥근 직사각형 10"/>
-          <p:cNvSpPr/>
-          <p:nvPr/>
-        </p:nvSpPr>
-        <p:spPr>
-          <a:xfrm>
-            <a:off x="1352600" y="2464218"/>
-            <a:ext cx="3744416" cy="2332933"/>
-          </a:xfrm>
-          <a:prstGeom prst="roundRect">
-            <a:avLst/>
-          </a:prstGeom>
-          <a:noFill/>
-          <a:ln w="28575">
-            <a:solidFill>
-              <a:srgbClr val="C00000"/>
-            </a:solidFill>
-            <a:prstDash val="sysDash"/>
-          </a:ln>
-        </p:spPr>
-        <p:style>
-          <a:lnRef idx="2">
-            <a:schemeClr val="accent1">
-              <a:shade val="50000"/>
-            </a:schemeClr>
-          </a:lnRef>
-          <a:fillRef idx="1">
-            <a:schemeClr val="accent1"/>
-          </a:fillRef>
-          <a:effectRef idx="0">
-            <a:schemeClr val="accent1"/>
-          </a:effectRef>
-          <a:fontRef idx="minor">
-            <a:schemeClr val="lt1"/>
-          </a:fontRef>
-        </p:style>
-        <p:txBody>
-          <a:bodyPr rtlCol="0" anchor="ctr"/>
-          <a:lstStyle/>
-          <a:p>
-            <a:pPr algn="ctr"/>
-            <a:endParaRPr lang="ko-KR" altLang="en-US"/>
-          </a:p>
-        </p:txBody>
-      </p:sp>
-      <p:sp>
-        <p:nvSpPr>
-          <p:cNvPr id="14" name="TextBox 13"/>
-          <p:cNvSpPr txBox="1"/>
-          <p:nvPr/>
-        </p:nvSpPr>
-        <p:spPr>
-          <a:xfrm>
-            <a:off x="5601072" y="3100318"/>
-            <a:ext cx="432048" cy="369332"/>
-          </a:xfrm>
-          <a:prstGeom prst="rect">
-            <a:avLst/>
-          </a:prstGeom>
-          <a:noFill/>
-        </p:spPr>
-        <p:txBody>
-          <a:bodyPr wrap="square" rtlCol="0">
-            <a:spAutoFit/>
-          </a:bodyPr>
-          <a:lstStyle/>
-          <a:p>
-            <a:r>
-              <a:rPr lang="ko-KR" altLang="en-US" b="1" dirty="0" smtClean="0"/>
-              <a:t>행</a:t>
-            </a:r>
-            <a:endParaRPr lang="ko-KR" altLang="en-US" b="1" dirty="0"/>
-          </a:p>
-        </p:txBody>
-      </p:sp>
-      <p:sp>
-        <p:nvSpPr>
-          <p:cNvPr id="16" name="모서리가 둥근 직사각형 15"/>
-          <p:cNvSpPr/>
-          <p:nvPr/>
-        </p:nvSpPr>
-        <p:spPr>
-          <a:xfrm>
-            <a:off x="1807388" y="3068960"/>
-            <a:ext cx="3001596" cy="1362283"/>
-          </a:xfrm>
-          <a:prstGeom prst="roundRect">
-            <a:avLst/>
-          </a:prstGeom>
-          <a:noFill/>
-          <a:ln w="28575">
-            <a:solidFill>
-              <a:srgbClr val="C00000"/>
-            </a:solidFill>
-            <a:prstDash val="sysDash"/>
-          </a:ln>
-        </p:spPr>
-        <p:style>
-          <a:lnRef idx="2">
-            <a:schemeClr val="accent1">
-              <a:shade val="50000"/>
-            </a:schemeClr>
-          </a:lnRef>
-          <a:fillRef idx="1">
-            <a:schemeClr val="accent1"/>
-          </a:fillRef>
-          <a:effectRef idx="0">
-            <a:schemeClr val="accent1"/>
-          </a:effectRef>
-          <a:fontRef idx="minor">
-            <a:schemeClr val="lt1"/>
-          </a:fontRef>
-        </p:style>
-        <p:txBody>
-          <a:bodyPr rtlCol="0" anchor="ctr"/>
-          <a:lstStyle/>
-          <a:p>
-            <a:pPr algn="ctr"/>
-            <a:endParaRPr lang="ko-KR" altLang="en-US"/>
-          </a:p>
-        </p:txBody>
-      </p:sp>
-      <p:sp>
-        <p:nvSpPr>
-          <p:cNvPr id="18" name="TextBox 17"/>
-          <p:cNvSpPr txBox="1"/>
-          <p:nvPr/>
-        </p:nvSpPr>
-        <p:spPr>
-          <a:xfrm>
-            <a:off x="5529064" y="3654316"/>
-            <a:ext cx="576064" cy="369332"/>
-          </a:xfrm>
-          <a:prstGeom prst="rect">
-            <a:avLst/>
-          </a:prstGeom>
-          <a:noFill/>
-        </p:spPr>
-        <p:txBody>
-          <a:bodyPr wrap="square" rtlCol="0">
-            <a:spAutoFit/>
-          </a:bodyPr>
-          <a:lstStyle/>
-          <a:p>
-            <a:r>
-              <a:rPr lang="ko-KR" altLang="en-US" b="1" dirty="0"/>
-              <a:t>열</a:t>
-            </a:r>
-          </a:p>
-        </p:txBody>
-      </p:sp>
-      <p:cxnSp>
-        <p:nvCxnSpPr>
-          <p:cNvPr id="23" name="직선 화살표 연결선 22"/>
-          <p:cNvCxnSpPr/>
-          <p:nvPr/>
-        </p:nvCxnSpPr>
-        <p:spPr>
-          <a:xfrm flipH="1">
-            <a:off x="5047750" y="3284984"/>
-            <a:ext cx="553322" cy="0"/>
-          </a:xfrm>
-          <a:prstGeom prst="straightConnector1">
-            <a:avLst/>
-          </a:prstGeom>
-          <a:ln>
-            <a:solidFill>
-              <a:srgbClr val="C00000"/>
-            </a:solidFill>
-            <a:tailEnd type="triangle"/>
-          </a:ln>
-        </p:spPr>
-        <p:style>
-          <a:lnRef idx="1">
-            <a:schemeClr val="accent1"/>
-          </a:lnRef>
-          <a:fillRef idx="0">
-            <a:schemeClr val="accent1"/>
-          </a:fillRef>
-          <a:effectRef idx="0">
-            <a:schemeClr val="accent1"/>
-          </a:effectRef>
-          <a:fontRef idx="minor">
-            <a:schemeClr val="tx1"/>
-          </a:fontRef>
-        </p:style>
-      </p:cxnSp>
-      <p:cxnSp>
-        <p:nvCxnSpPr>
-          <p:cNvPr id="30" name="직선 화살표 연결선 29"/>
-          <p:cNvCxnSpPr/>
-          <p:nvPr/>
-        </p:nvCxnSpPr>
-        <p:spPr>
-          <a:xfrm flipH="1" flipV="1">
-            <a:off x="4808984" y="3750101"/>
-            <a:ext cx="792088" cy="871"/>
-          </a:xfrm>
-          <a:prstGeom prst="straightConnector1">
-            <a:avLst/>
-          </a:prstGeom>
-          <a:ln>
-            <a:solidFill>
-              <a:srgbClr val="C00000"/>
-            </a:solidFill>
-            <a:tailEnd type="triangle"/>
-          </a:ln>
-        </p:spPr>
-        <p:style>
-          <a:lnRef idx="1">
-            <a:schemeClr val="accent1"/>
-          </a:lnRef>
-          <a:fillRef idx="0">
-            <a:schemeClr val="accent1"/>
-          </a:fillRef>
-          <a:effectRef idx="0">
-            <a:schemeClr val="accent1"/>
-          </a:effectRef>
-          <a:fontRef idx="minor">
-            <a:schemeClr val="tx1"/>
-          </a:fontRef>
-        </p:style>
-      </p:cxnSp>
-      <p:sp>
-        <p:nvSpPr>
-          <p:cNvPr id="34" name="TextBox 33"/>
-          <p:cNvSpPr txBox="1"/>
-          <p:nvPr/>
-        </p:nvSpPr>
-        <p:spPr>
-          <a:xfrm>
-            <a:off x="7041232" y="2212433"/>
-            <a:ext cx="1152128" cy="369332"/>
-          </a:xfrm>
-          <a:prstGeom prst="rect">
-            <a:avLst/>
-          </a:prstGeom>
-          <a:noFill/>
-        </p:spPr>
-        <p:txBody>
-          <a:bodyPr wrap="square" rtlCol="0">
-            <a:spAutoFit/>
-          </a:bodyPr>
-          <a:lstStyle/>
-          <a:p>
-            <a:r>
-              <a:rPr lang="en-US" altLang="ko-KR" dirty="0" smtClean="0"/>
-              <a:t>5</a:t>
-            </a:r>
-            <a:r>
-              <a:rPr lang="ko-KR" altLang="en-US" dirty="0" smtClean="0"/>
-              <a:t>행 </a:t>
-            </a:r>
-            <a:r>
-              <a:rPr lang="en-US" altLang="ko-KR" dirty="0" smtClean="0"/>
-              <a:t>5</a:t>
-            </a:r>
-            <a:r>
-              <a:rPr lang="ko-KR" altLang="en-US" dirty="0" smtClean="0"/>
-              <a:t>열</a:t>
-            </a:r>
-            <a:endParaRPr lang="ko-KR" altLang="en-US" dirty="0"/>
           </a:p>
         </p:txBody>
       </p:sp>
@@ -12763,18 +11925,346 @@
         </p:blipFill>
         <p:spPr>
           <a:xfrm>
-            <a:off x="5957927" y="2606915"/>
-            <a:ext cx="3205140" cy="2288114"/>
+            <a:off x="4953000" y="2060848"/>
+            <a:ext cx="3162741" cy="1181265"/>
           </a:xfrm>
           <a:prstGeom prst="rect">
             <a:avLst/>
           </a:prstGeom>
+          <a:ln>
+            <a:solidFill>
+              <a:schemeClr val="bg1">
+                <a:lumMod val="85000"/>
+              </a:schemeClr>
+            </a:solidFill>
+          </a:ln>
         </p:spPr>
       </p:pic>
+      <p:pic>
+        <p:nvPicPr>
+          <p:cNvPr id="5" name="그림 4"/>
+          <p:cNvPicPr>
+            <a:picLocks noChangeAspect="1"/>
+          </p:cNvPicPr>
+          <p:nvPr/>
+        </p:nvPicPr>
+        <p:blipFill>
+          <a:blip r:embed="rId3">
+            <a:extLst>
+              <a:ext uri="{28A0092B-C50C-407E-A947-70E740481C1C}">
+                <a14:useLocalDpi xmlns:a14="http://schemas.microsoft.com/office/drawing/2010/main" val="0"/>
+              </a:ext>
+            </a:extLst>
+          </a:blip>
+          <a:stretch>
+            <a:fillRect/>
+          </a:stretch>
+        </p:blipFill>
+        <p:spPr>
+          <a:xfrm>
+            <a:off x="4978896" y="3501008"/>
+            <a:ext cx="3172268" cy="2476846"/>
+          </a:xfrm>
+          <a:prstGeom prst="rect">
+            <a:avLst/>
+          </a:prstGeom>
+          <a:ln>
+            <a:solidFill>
+              <a:schemeClr val="bg1">
+                <a:lumMod val="85000"/>
+              </a:schemeClr>
+            </a:solidFill>
+          </a:ln>
+        </p:spPr>
+      </p:pic>
+      <p:sp>
+        <p:nvSpPr>
+          <p:cNvPr id="7" name="TextBox 6"/>
+          <p:cNvSpPr txBox="1"/>
+          <p:nvPr/>
+        </p:nvSpPr>
+        <p:spPr>
+          <a:xfrm>
+            <a:off x="1424608" y="2060848"/>
+            <a:ext cx="2880320" cy="2145268"/>
+          </a:xfrm>
+          <a:prstGeom prst="roundRect">
+            <a:avLst/>
+          </a:prstGeom>
+        </p:spPr>
+        <p:style>
+          <a:lnRef idx="2">
+            <a:schemeClr val="accent1"/>
+          </a:lnRef>
+          <a:fillRef idx="1">
+            <a:schemeClr val="lt1"/>
+          </a:fillRef>
+          <a:effectRef idx="0">
+            <a:schemeClr val="accent1"/>
+          </a:effectRef>
+          <a:fontRef idx="minor">
+            <a:schemeClr val="dk1"/>
+          </a:fontRef>
+        </p:style>
+        <p:txBody>
+          <a:bodyPr wrap="square" rtlCol="0">
+            <a:spAutoFit/>
+          </a:bodyPr>
+          <a:lstStyle/>
+          <a:p>
+            <a:pPr>
+              <a:lnSpc>
+                <a:spcPct val="150000"/>
+              </a:lnSpc>
+            </a:pPr>
+            <a:r>
+              <a:rPr lang="en-US" altLang="ko-KR" sz="2000" dirty="0" smtClean="0"/>
+              <a:t>for ~ in :</a:t>
+            </a:r>
+          </a:p>
+          <a:p>
+            <a:pPr>
+              <a:lnSpc>
+                <a:spcPct val="150000"/>
+              </a:lnSpc>
+            </a:pPr>
+            <a:r>
+              <a:rPr lang="en-US" altLang="ko-KR" sz="2000" dirty="0"/>
+              <a:t> </a:t>
+            </a:r>
+            <a:r>
+              <a:rPr lang="en-US" altLang="ko-KR" sz="2000" dirty="0" smtClean="0"/>
+              <a:t>   if </a:t>
+            </a:r>
+            <a:r>
+              <a:rPr lang="ko-KR" altLang="en-US" sz="2000" dirty="0" smtClean="0"/>
+              <a:t>조건 </a:t>
+            </a:r>
+            <a:r>
+              <a:rPr lang="en-US" altLang="ko-KR" sz="2000" dirty="0" smtClean="0"/>
+              <a:t>:</a:t>
+            </a:r>
+          </a:p>
+          <a:p>
+            <a:pPr>
+              <a:lnSpc>
+                <a:spcPct val="150000"/>
+              </a:lnSpc>
+            </a:pPr>
+            <a:r>
+              <a:rPr lang="en-US" altLang="ko-KR" sz="2000" dirty="0"/>
+              <a:t> </a:t>
+            </a:r>
+            <a:r>
+              <a:rPr lang="en-US" altLang="ko-KR" sz="2000" dirty="0" smtClean="0"/>
+              <a:t>      </a:t>
+            </a:r>
+            <a:r>
+              <a:rPr lang="en-US" altLang="ko-KR" sz="2000" dirty="0" smtClean="0">
+                <a:solidFill>
+                  <a:srgbClr val="C00000"/>
+                </a:solidFill>
+              </a:rPr>
+              <a:t>continue</a:t>
+            </a:r>
+          </a:p>
+          <a:p>
+            <a:pPr>
+              <a:lnSpc>
+                <a:spcPct val="150000"/>
+              </a:lnSpc>
+            </a:pPr>
+            <a:r>
+              <a:rPr lang="en-US" altLang="ko-KR" sz="2000" dirty="0"/>
+              <a:t> </a:t>
+            </a:r>
+            <a:r>
+              <a:rPr lang="en-US" altLang="ko-KR" sz="2000" dirty="0" smtClean="0"/>
+              <a:t>   </a:t>
+            </a:r>
+            <a:r>
+              <a:rPr lang="ko-KR" altLang="en-US" sz="2000" dirty="0" err="1" smtClean="0"/>
+              <a:t>수행문</a:t>
+            </a:r>
+            <a:endParaRPr lang="en-US" altLang="ko-KR" sz="2000" dirty="0" smtClean="0"/>
+          </a:p>
+        </p:txBody>
+      </p:sp>
+      <p:sp>
+        <p:nvSpPr>
+          <p:cNvPr id="6" name="TextBox 5"/>
+          <p:cNvSpPr txBox="1"/>
+          <p:nvPr/>
+        </p:nvSpPr>
+        <p:spPr>
+          <a:xfrm>
+            <a:off x="1496616" y="4509120"/>
+            <a:ext cx="2952328" cy="1285288"/>
+          </a:xfrm>
+          <a:prstGeom prst="rect">
+            <a:avLst/>
+          </a:prstGeom>
+          <a:ln w="12700">
+            <a:noFill/>
+          </a:ln>
+        </p:spPr>
+        <p:style>
+          <a:lnRef idx="2">
+            <a:schemeClr val="accent5"/>
+          </a:lnRef>
+          <a:fillRef idx="1">
+            <a:schemeClr val="lt1"/>
+          </a:fillRef>
+          <a:effectRef idx="0">
+            <a:schemeClr val="accent5"/>
+          </a:effectRef>
+          <a:fontRef idx="minor">
+            <a:schemeClr val="dk1"/>
+          </a:fontRef>
+        </p:style>
+        <p:txBody>
+          <a:bodyPr wrap="square" rtlCol="0">
+            <a:spAutoFit/>
+          </a:bodyPr>
+          <a:lstStyle/>
+          <a:p>
+            <a:pPr>
+              <a:lnSpc>
+                <a:spcPct val="150000"/>
+              </a:lnSpc>
+            </a:pPr>
+            <a:r>
+              <a:rPr lang="ko-KR" altLang="en-US" dirty="0" smtClean="0">
+                <a:ln>
+                  <a:solidFill>
+                    <a:schemeClr val="bg1">
+                      <a:lumMod val="65000"/>
+                    </a:schemeClr>
+                  </a:solidFill>
+                </a:ln>
+                <a:solidFill>
+                  <a:sysClr val="windowText" lastClr="000000"/>
+                </a:solidFill>
+              </a:rPr>
+              <a:t>반복하다 조건에 맞으면</a:t>
+            </a:r>
+            <a:endParaRPr lang="en-US" altLang="ko-KR" dirty="0" smtClean="0">
+              <a:ln>
+                <a:solidFill>
+                  <a:schemeClr val="bg1">
+                    <a:lumMod val="65000"/>
+                  </a:schemeClr>
+                </a:solidFill>
+              </a:ln>
+              <a:solidFill>
+                <a:sysClr val="windowText" lastClr="000000"/>
+              </a:solidFill>
+            </a:endParaRPr>
+          </a:p>
+          <a:p>
+            <a:pPr>
+              <a:lnSpc>
+                <a:spcPct val="150000"/>
+              </a:lnSpc>
+            </a:pPr>
+            <a:r>
+              <a:rPr lang="ko-KR" altLang="en-US" dirty="0" err="1" smtClean="0">
+                <a:ln>
+                  <a:solidFill>
+                    <a:schemeClr val="bg1">
+                      <a:lumMod val="65000"/>
+                    </a:schemeClr>
+                  </a:solidFill>
+                </a:ln>
+                <a:solidFill>
+                  <a:sysClr val="windowText" lastClr="000000"/>
+                </a:solidFill>
+              </a:rPr>
+              <a:t>수행문을</a:t>
+            </a:r>
+            <a:r>
+              <a:rPr lang="ko-KR" altLang="en-US" dirty="0" smtClean="0">
+                <a:ln>
+                  <a:solidFill>
+                    <a:schemeClr val="bg1">
+                      <a:lumMod val="65000"/>
+                    </a:schemeClr>
+                  </a:solidFill>
+                </a:ln>
+                <a:solidFill>
+                  <a:sysClr val="windowText" lastClr="000000"/>
+                </a:solidFill>
+              </a:rPr>
+              <a:t> 처리하지 않고</a:t>
+            </a:r>
+            <a:endParaRPr lang="en-US" altLang="ko-KR" dirty="0" smtClean="0">
+              <a:ln>
+                <a:solidFill>
+                  <a:schemeClr val="bg1">
+                    <a:lumMod val="65000"/>
+                  </a:schemeClr>
+                </a:solidFill>
+              </a:ln>
+              <a:solidFill>
+                <a:sysClr val="windowText" lastClr="000000"/>
+              </a:solidFill>
+            </a:endParaRPr>
+          </a:p>
+          <a:p>
+            <a:pPr>
+              <a:lnSpc>
+                <a:spcPct val="150000"/>
+              </a:lnSpc>
+            </a:pPr>
+            <a:r>
+              <a:rPr lang="ko-KR" altLang="en-US" dirty="0" smtClean="0">
+                <a:ln>
+                  <a:solidFill>
+                    <a:schemeClr val="bg1">
+                      <a:lumMod val="65000"/>
+                    </a:schemeClr>
+                  </a:solidFill>
+                </a:ln>
+                <a:solidFill>
+                  <a:sysClr val="windowText" lastClr="000000"/>
+                </a:solidFill>
+              </a:rPr>
+              <a:t>다시 반복한다</a:t>
+            </a:r>
+            <a:r>
+              <a:rPr lang="en-US" altLang="ko-KR" dirty="0" smtClean="0">
+                <a:ln>
+                  <a:solidFill>
+                    <a:schemeClr val="bg1">
+                      <a:lumMod val="65000"/>
+                    </a:schemeClr>
+                  </a:solidFill>
+                </a:ln>
+                <a:solidFill>
+                  <a:sysClr val="windowText" lastClr="000000"/>
+                </a:solidFill>
+              </a:rPr>
+              <a:t>.</a:t>
+            </a:r>
+            <a:endParaRPr lang="ko-KR" altLang="en-US" dirty="0">
+              <a:ln>
+                <a:solidFill>
+                  <a:schemeClr val="bg1">
+                    <a:lumMod val="65000"/>
+                  </a:schemeClr>
+                </a:solidFill>
+              </a:ln>
+              <a:solidFill>
+                <a:sysClr val="windowText" lastClr="000000"/>
+              </a:solidFill>
+            </a:endParaRPr>
+          </a:p>
+        </p:txBody>
+      </p:sp>
     </p:spTree>
     <p:extLst>
       <p:ext uri="{BB962C8B-B14F-4D97-AF65-F5344CB8AC3E}">
-        <p14:creationId xmlns:p14="http://schemas.microsoft.com/office/powerpoint/2010/main" val="114452287"/>
+        <p14:creationId xmlns:p14="http://schemas.microsoft.com/office/powerpoint/2010/main" val="3433125074"/>
       </p:ext>
     </p:extLst>
   </p:cSld>
@@ -12895,7 +12385,7 @@
             </a:r>
             <a:r>
               <a:rPr lang="ko-KR" altLang="en-US" sz="2000" b="1" dirty="0" smtClean="0"/>
-              <a:t>중첩 </a:t>
+              <a:t>이중 </a:t>
             </a:r>
             <a:r>
               <a:rPr lang="en-US" altLang="ko-KR" sz="2000" b="1" dirty="0" smtClean="0"/>
@@ -12915,29 +12405,490 @@
             </a:pPr>
             <a:r>
               <a:rPr lang="en-US" altLang="ko-KR" sz="2000" dirty="0" smtClean="0"/>
+              <a:t>  - </a:t>
+            </a:r>
+            <a:r>
+              <a:rPr lang="ko-KR" altLang="en-US" sz="2000" dirty="0" smtClean="0"/>
+              <a:t>행</a:t>
+            </a:r>
+            <a:r>
+              <a:rPr lang="en-US" altLang="ko-KR" sz="2000" dirty="0" smtClean="0"/>
+              <a:t>, </a:t>
+            </a:r>
+            <a:r>
+              <a:rPr lang="ko-KR" altLang="en-US" sz="2000" dirty="0" smtClean="0"/>
+              <a:t>열 구현하기</a:t>
+            </a:r>
+            <a:r>
+              <a:rPr lang="en-US" altLang="ko-KR" sz="2000" dirty="0" smtClean="0"/>
+              <a:t>   </a:t>
+            </a:r>
+          </a:p>
+        </p:txBody>
+      </p:sp>
+      <p:sp>
+        <p:nvSpPr>
+          <p:cNvPr id="10" name="모서리가 둥근 직사각형 9"/>
+          <p:cNvSpPr/>
+          <p:nvPr/>
+        </p:nvSpPr>
+        <p:spPr>
+          <a:xfrm>
+            <a:off x="1568624" y="2415019"/>
+            <a:ext cx="3384376" cy="2548156"/>
+          </a:xfrm>
+          <a:prstGeom prst="roundRect">
+            <a:avLst/>
+          </a:prstGeom>
+          <a:ln w="12700">
+            <a:noFill/>
+          </a:ln>
+        </p:spPr>
+        <p:style>
+          <a:lnRef idx="2">
+            <a:schemeClr val="dk1"/>
+          </a:lnRef>
+          <a:fillRef idx="1">
+            <a:schemeClr val="lt1"/>
+          </a:fillRef>
+          <a:effectRef idx="0">
+            <a:schemeClr val="dk1"/>
+          </a:effectRef>
+          <a:fontRef idx="minor">
+            <a:schemeClr val="dk1"/>
+          </a:fontRef>
+        </p:style>
+        <p:txBody>
+          <a:bodyPr rtlCol="0" anchor="ctr"/>
+          <a:lstStyle/>
+          <a:p>
+            <a:pPr>
+              <a:lnSpc>
+                <a:spcPct val="150000"/>
+              </a:lnSpc>
+            </a:pPr>
+            <a:r>
+              <a:rPr lang="en-US" altLang="ko-KR" b="1" dirty="0" smtClean="0">
+                <a:solidFill>
+                  <a:sysClr val="windowText" lastClr="000000"/>
+                </a:solidFill>
+              </a:rPr>
+              <a:t>for</a:t>
+            </a:r>
+            <a:r>
+              <a:rPr lang="en-US" altLang="ko-KR" dirty="0" smtClean="0">
+                <a:solidFill>
+                  <a:sysClr val="windowText" lastClr="000000"/>
+                </a:solidFill>
+              </a:rPr>
+              <a:t> </a:t>
+            </a:r>
+            <a:r>
+              <a:rPr lang="en-US" altLang="ko-KR" b="1" dirty="0">
+                <a:solidFill>
+                  <a:schemeClr val="tx1"/>
+                </a:solidFill>
+              </a:rPr>
+              <a:t>i</a:t>
+            </a:r>
+            <a:r>
+              <a:rPr lang="en-US" altLang="ko-KR" b="1" dirty="0" smtClean="0">
+                <a:solidFill>
+                  <a:schemeClr val="tx1"/>
+                </a:solidFill>
+              </a:rPr>
+              <a:t> in range(1, 6)</a:t>
+            </a:r>
+          </a:p>
+          <a:p>
+            <a:pPr>
+              <a:lnSpc>
+                <a:spcPct val="150000"/>
+              </a:lnSpc>
+            </a:pPr>
+            <a:r>
+              <a:rPr lang="en-US" altLang="ko-KR" dirty="0">
+                <a:solidFill>
+                  <a:sysClr val="windowText" lastClr="000000"/>
+                </a:solidFill>
+              </a:rPr>
+              <a:t> </a:t>
+            </a:r>
+            <a:r>
+              <a:rPr lang="en-US" altLang="ko-KR" dirty="0" smtClean="0">
+                <a:solidFill>
+                  <a:sysClr val="windowText" lastClr="000000"/>
+                </a:solidFill>
+              </a:rPr>
+              <a:t> </a:t>
+            </a:r>
+            <a:r>
+              <a:rPr lang="en-US" altLang="ko-KR" b="1" dirty="0" smtClean="0">
+                <a:solidFill>
+                  <a:sysClr val="windowText" lastClr="000000"/>
+                </a:solidFill>
+              </a:rPr>
+              <a:t>for j in range(1, 6)</a:t>
+            </a:r>
+            <a:r>
+              <a:rPr lang="ko-KR" altLang="en-US" dirty="0" smtClean="0">
+                <a:solidFill>
+                  <a:sysClr val="windowText" lastClr="000000"/>
+                </a:solidFill>
+              </a:rPr>
+              <a:t> </a:t>
+            </a:r>
+            <a:endParaRPr lang="en-US" altLang="ko-KR" dirty="0">
+              <a:solidFill>
+                <a:sysClr val="windowText" lastClr="000000"/>
+              </a:solidFill>
+            </a:endParaRPr>
+          </a:p>
+          <a:p>
+            <a:pPr>
+              <a:lnSpc>
+                <a:spcPct val="150000"/>
+              </a:lnSpc>
+            </a:pPr>
+            <a:r>
+              <a:rPr lang="ko-KR" altLang="en-US" dirty="0">
+                <a:solidFill>
+                  <a:sysClr val="windowText" lastClr="000000"/>
+                </a:solidFill>
+              </a:rPr>
+              <a:t> </a:t>
+            </a:r>
+            <a:r>
+              <a:rPr lang="ko-KR" altLang="en-US" dirty="0" smtClean="0">
+                <a:solidFill>
+                  <a:sysClr val="windowText" lastClr="000000"/>
+                </a:solidFill>
+              </a:rPr>
+              <a:t>    </a:t>
+            </a:r>
+            <a:r>
+              <a:rPr lang="ko-KR" altLang="en-US" dirty="0" err="1" smtClean="0">
+                <a:solidFill>
+                  <a:sysClr val="windowText" lastClr="000000"/>
+                </a:solidFill>
+              </a:rPr>
+              <a:t>실행문</a:t>
+            </a:r>
+            <a:r>
+              <a:rPr lang="en-US" altLang="ko-KR" dirty="0" smtClean="0">
+                <a:solidFill>
+                  <a:sysClr val="windowText" lastClr="000000"/>
+                </a:solidFill>
+              </a:rPr>
+              <a:t>;</a:t>
+            </a:r>
+            <a:endParaRPr lang="en-US" altLang="ko-KR" dirty="0">
+              <a:solidFill>
+                <a:sysClr val="windowText" lastClr="000000"/>
+              </a:solidFill>
+            </a:endParaRPr>
+          </a:p>
+          <a:p>
+            <a:pPr>
+              <a:lnSpc>
+                <a:spcPct val="150000"/>
+              </a:lnSpc>
+            </a:pPr>
+            <a:r>
+              <a:rPr lang="en-US" altLang="ko-KR" sz="2000" dirty="0" smtClean="0">
+                <a:solidFill>
+                  <a:sysClr val="windowText" lastClr="000000"/>
+                </a:solidFill>
+              </a:rPr>
               <a:t>  </a:t>
             </a:r>
             <a:r>
-              <a:rPr lang="en-US" altLang="ko-KR" b="1" dirty="0" smtClean="0"/>
-              <a:t>- </a:t>
-            </a:r>
+              <a:rPr lang="en-US" altLang="ko-KR" b="1" dirty="0" smtClean="0">
+                <a:solidFill>
+                  <a:sysClr val="windowText" lastClr="000000"/>
+                </a:solidFill>
+              </a:rPr>
+              <a:t>print()</a:t>
+            </a:r>
+          </a:p>
+          <a:p>
+            <a:pPr>
+              <a:lnSpc>
+                <a:spcPct val="150000"/>
+              </a:lnSpc>
+            </a:pPr>
+            <a:endParaRPr lang="en-US" altLang="ko-KR" sz="2000" dirty="0">
+              <a:solidFill>
+                <a:sysClr val="windowText" lastClr="000000"/>
+              </a:solidFill>
+            </a:endParaRPr>
+          </a:p>
+        </p:txBody>
+      </p:sp>
+      <p:sp>
+        <p:nvSpPr>
+          <p:cNvPr id="11" name="모서리가 둥근 직사각형 10"/>
+          <p:cNvSpPr/>
+          <p:nvPr/>
+        </p:nvSpPr>
+        <p:spPr>
+          <a:xfrm>
+            <a:off x="1352600" y="2464218"/>
+            <a:ext cx="3744416" cy="2332933"/>
+          </a:xfrm>
+          <a:prstGeom prst="roundRect">
+            <a:avLst/>
+          </a:prstGeom>
+          <a:noFill/>
+          <a:ln w="28575">
+            <a:solidFill>
+              <a:srgbClr val="C00000"/>
+            </a:solidFill>
+            <a:prstDash val="sysDash"/>
+          </a:ln>
+        </p:spPr>
+        <p:style>
+          <a:lnRef idx="2">
+            <a:schemeClr val="accent1">
+              <a:shade val="50000"/>
+            </a:schemeClr>
+          </a:lnRef>
+          <a:fillRef idx="1">
+            <a:schemeClr val="accent1"/>
+          </a:fillRef>
+          <a:effectRef idx="0">
+            <a:schemeClr val="accent1"/>
+          </a:effectRef>
+          <a:fontRef idx="minor">
+            <a:schemeClr val="lt1"/>
+          </a:fontRef>
+        </p:style>
+        <p:txBody>
+          <a:bodyPr rtlCol="0" anchor="ctr"/>
+          <a:lstStyle/>
+          <a:p>
+            <a:pPr algn="ctr"/>
+            <a:endParaRPr lang="ko-KR" altLang="en-US"/>
+          </a:p>
+        </p:txBody>
+      </p:sp>
+      <p:sp>
+        <p:nvSpPr>
+          <p:cNvPr id="14" name="TextBox 13"/>
+          <p:cNvSpPr txBox="1"/>
+          <p:nvPr/>
+        </p:nvSpPr>
+        <p:spPr>
+          <a:xfrm>
+            <a:off x="5601072" y="3100318"/>
+            <a:ext cx="432048" cy="369332"/>
+          </a:xfrm>
+          <a:prstGeom prst="rect">
+            <a:avLst/>
+          </a:prstGeom>
+          <a:noFill/>
+        </p:spPr>
+        <p:txBody>
+          <a:bodyPr wrap="square" rtlCol="0">
+            <a:spAutoFit/>
+          </a:bodyPr>
+          <a:lstStyle/>
+          <a:p>
             <a:r>
               <a:rPr lang="ko-KR" altLang="en-US" b="1" dirty="0" smtClean="0"/>
               <a:t>행</a:t>
             </a:r>
-            <a:r>
-              <a:rPr lang="en-US" altLang="ko-KR" b="1" dirty="0" smtClean="0"/>
-              <a:t>, </a:t>
-            </a:r>
-            <a:r>
-              <a:rPr lang="ko-KR" altLang="en-US" b="1" dirty="0" smtClean="0"/>
-              <a:t>열 구현하기</a:t>
-            </a:r>
-            <a:r>
-              <a:rPr lang="en-US" altLang="ko-KR" b="1" dirty="0" smtClean="0"/>
-              <a:t>   </a:t>
-            </a:r>
-            <a:endParaRPr lang="en-US" altLang="ko-KR" sz="2000" b="1" dirty="0" smtClean="0"/>
+            <a:endParaRPr lang="ko-KR" altLang="en-US" b="1" dirty="0"/>
+          </a:p>
+        </p:txBody>
+      </p:sp>
+      <p:sp>
+        <p:nvSpPr>
+          <p:cNvPr id="16" name="모서리가 둥근 직사각형 15"/>
+          <p:cNvSpPr/>
+          <p:nvPr/>
+        </p:nvSpPr>
+        <p:spPr>
+          <a:xfrm>
+            <a:off x="1807388" y="3068960"/>
+            <a:ext cx="3001596" cy="1362283"/>
+          </a:xfrm>
+          <a:prstGeom prst="roundRect">
+            <a:avLst/>
+          </a:prstGeom>
+          <a:noFill/>
+          <a:ln w="28575">
+            <a:solidFill>
+              <a:srgbClr val="C00000"/>
+            </a:solidFill>
+            <a:prstDash val="sysDash"/>
+          </a:ln>
+        </p:spPr>
+        <p:style>
+          <a:lnRef idx="2">
+            <a:schemeClr val="accent1">
+              <a:shade val="50000"/>
+            </a:schemeClr>
+          </a:lnRef>
+          <a:fillRef idx="1">
+            <a:schemeClr val="accent1"/>
+          </a:fillRef>
+          <a:effectRef idx="0">
+            <a:schemeClr val="accent1"/>
+          </a:effectRef>
+          <a:fontRef idx="minor">
+            <a:schemeClr val="lt1"/>
+          </a:fontRef>
+        </p:style>
+        <p:txBody>
+          <a:bodyPr rtlCol="0" anchor="ctr"/>
+          <a:lstStyle/>
+          <a:p>
+            <a:pPr algn="ctr"/>
+            <a:endParaRPr lang="ko-KR" altLang="en-US"/>
+          </a:p>
+        </p:txBody>
+      </p:sp>
+      <p:sp>
+        <p:nvSpPr>
+          <p:cNvPr id="18" name="TextBox 17"/>
+          <p:cNvSpPr txBox="1"/>
+          <p:nvPr/>
+        </p:nvSpPr>
+        <p:spPr>
+          <a:xfrm>
+            <a:off x="5529064" y="3654316"/>
+            <a:ext cx="576064" cy="369332"/>
+          </a:xfrm>
+          <a:prstGeom prst="rect">
+            <a:avLst/>
+          </a:prstGeom>
+          <a:noFill/>
+        </p:spPr>
+        <p:txBody>
+          <a:bodyPr wrap="square" rtlCol="0">
+            <a:spAutoFit/>
+          </a:bodyPr>
+          <a:lstStyle/>
+          <a:p>
+            <a:r>
+              <a:rPr lang="ko-KR" altLang="en-US" b="1" dirty="0"/>
+              <a:t>열</a:t>
+            </a:r>
+          </a:p>
+        </p:txBody>
+      </p:sp>
+      <p:cxnSp>
+        <p:nvCxnSpPr>
+          <p:cNvPr id="23" name="직선 화살표 연결선 22"/>
+          <p:cNvCxnSpPr/>
+          <p:nvPr/>
+        </p:nvCxnSpPr>
+        <p:spPr>
+          <a:xfrm flipH="1">
+            <a:off x="5047750" y="3284984"/>
+            <a:ext cx="553322" cy="0"/>
+          </a:xfrm>
+          <a:prstGeom prst="straightConnector1">
+            <a:avLst/>
+          </a:prstGeom>
+          <a:ln>
+            <a:solidFill>
+              <a:srgbClr val="C00000"/>
+            </a:solidFill>
+            <a:tailEnd type="triangle"/>
+          </a:ln>
+        </p:spPr>
+        <p:style>
+          <a:lnRef idx="1">
+            <a:schemeClr val="accent1"/>
+          </a:lnRef>
+          <a:fillRef idx="0">
+            <a:schemeClr val="accent1"/>
+          </a:fillRef>
+          <a:effectRef idx="0">
+            <a:schemeClr val="accent1"/>
+          </a:effectRef>
+          <a:fontRef idx="minor">
+            <a:schemeClr val="tx1"/>
+          </a:fontRef>
+        </p:style>
+      </p:cxnSp>
+      <p:cxnSp>
+        <p:nvCxnSpPr>
+          <p:cNvPr id="30" name="직선 화살표 연결선 29"/>
+          <p:cNvCxnSpPr/>
+          <p:nvPr/>
+        </p:nvCxnSpPr>
+        <p:spPr>
+          <a:xfrm flipH="1" flipV="1">
+            <a:off x="4808984" y="3750101"/>
+            <a:ext cx="792088" cy="871"/>
+          </a:xfrm>
+          <a:prstGeom prst="straightConnector1">
+            <a:avLst/>
+          </a:prstGeom>
+          <a:ln>
+            <a:solidFill>
+              <a:srgbClr val="C00000"/>
+            </a:solidFill>
+            <a:tailEnd type="triangle"/>
+          </a:ln>
+        </p:spPr>
+        <p:style>
+          <a:lnRef idx="1">
+            <a:schemeClr val="accent1"/>
+          </a:lnRef>
+          <a:fillRef idx="0">
+            <a:schemeClr val="accent1"/>
+          </a:fillRef>
+          <a:effectRef idx="0">
+            <a:schemeClr val="accent1"/>
+          </a:effectRef>
+          <a:fontRef idx="minor">
+            <a:schemeClr val="tx1"/>
+          </a:fontRef>
+        </p:style>
+      </p:cxnSp>
+      <p:sp>
+        <p:nvSpPr>
+          <p:cNvPr id="34" name="TextBox 33"/>
+          <p:cNvSpPr txBox="1"/>
+          <p:nvPr/>
+        </p:nvSpPr>
+        <p:spPr>
+          <a:xfrm>
+            <a:off x="7041232" y="2212433"/>
+            <a:ext cx="1152128" cy="369332"/>
+          </a:xfrm>
+          <a:prstGeom prst="rect">
+            <a:avLst/>
+          </a:prstGeom>
+          <a:noFill/>
+        </p:spPr>
+        <p:txBody>
+          <a:bodyPr wrap="square" rtlCol="0">
+            <a:spAutoFit/>
+          </a:bodyPr>
+          <a:lstStyle/>
+          <a:p>
+            <a:r>
+              <a:rPr lang="en-US" altLang="ko-KR" dirty="0" smtClean="0"/>
+              <a:t>5</a:t>
+            </a:r>
+            <a:r>
+              <a:rPr lang="ko-KR" altLang="en-US" dirty="0" smtClean="0"/>
+              <a:t>행 </a:t>
+            </a:r>
+            <a:r>
+              <a:rPr lang="en-US" altLang="ko-KR" dirty="0" smtClean="0"/>
+              <a:t>5</a:t>
+            </a:r>
+            <a:r>
+              <a:rPr lang="ko-KR" altLang="en-US" dirty="0" smtClean="0"/>
+              <a:t>열</a:t>
+            </a:r>
+            <a:endParaRPr lang="ko-KR" altLang="en-US" dirty="0"/>
           </a:p>
         </p:txBody>
       </p:sp>
@@ -12963,62 +12914,18 @@
         </p:blipFill>
         <p:spPr>
           <a:xfrm>
-            <a:off x="1781815" y="2348881"/>
-            <a:ext cx="1370986" cy="1667416"/>
+            <a:off x="5957927" y="2606915"/>
+            <a:ext cx="3205140" cy="2288114"/>
           </a:xfrm>
           <a:prstGeom prst="rect">
             <a:avLst/>
           </a:prstGeom>
-          <a:ln>
-            <a:solidFill>
-              <a:schemeClr val="bg1">
-                <a:lumMod val="95000"/>
-              </a:schemeClr>
-            </a:solidFill>
-          </a:ln>
-        </p:spPr>
-      </p:pic>
-      <p:pic>
-        <p:nvPicPr>
-          <p:cNvPr id="6" name="그림 5"/>
-          <p:cNvPicPr>
-            <a:picLocks noChangeAspect="1"/>
-          </p:cNvPicPr>
-          <p:nvPr/>
-        </p:nvPicPr>
-        <p:blipFill>
-          <a:blip r:embed="rId3">
-            <a:extLst>
-              <a:ext uri="{28A0092B-C50C-407E-A947-70E740481C1C}">
-                <a14:useLocalDpi xmlns:a14="http://schemas.microsoft.com/office/drawing/2010/main" val="0"/>
-              </a:ext>
-            </a:extLst>
-          </a:blip>
-          <a:stretch>
-            <a:fillRect/>
-          </a:stretch>
-        </p:blipFill>
-        <p:spPr>
-          <a:xfrm>
-            <a:off x="3909128" y="2348881"/>
-            <a:ext cx="3524002" cy="1286010"/>
-          </a:xfrm>
-          <a:prstGeom prst="rect">
-            <a:avLst/>
-          </a:prstGeom>
-          <a:ln>
-            <a:solidFill>
-              <a:schemeClr val="bg1">
-                <a:lumMod val="95000"/>
-              </a:schemeClr>
-            </a:solidFill>
-          </a:ln>
         </p:spPr>
       </p:pic>
     </p:spTree>
     <p:extLst>
       <p:ext uri="{BB962C8B-B14F-4D97-AF65-F5344CB8AC3E}">
-        <p14:creationId xmlns:p14="http://schemas.microsoft.com/office/powerpoint/2010/main" val="629726084"/>
+        <p14:creationId xmlns:p14="http://schemas.microsoft.com/office/powerpoint/2010/main" val="114452287"/>
       </p:ext>
     </p:extLst>
   </p:cSld>
@@ -13848,40 +13755,24 @@
             <p:ph type="title"/>
           </p:nvPr>
         </p:nvSpPr>
-        <p:spPr/>
-        <p:txBody>
-          <a:bodyPr/>
-          <a:lstStyle/>
-          <a:p>
-            <a:r>
-              <a:rPr lang="en-US" altLang="ko-KR" dirty="0"/>
-              <a:t> </a:t>
-            </a:r>
-            <a:r>
-              <a:rPr lang="en-US" altLang="ko-KR" dirty="0" smtClean="0"/>
-              <a:t>2</a:t>
-            </a:r>
-            <a:r>
-              <a:rPr lang="ko-KR" altLang="en-US" dirty="0" smtClean="0"/>
-              <a:t>중 </a:t>
-            </a:r>
-            <a:r>
-              <a:rPr lang="en-US" altLang="ko-KR" dirty="0" smtClean="0"/>
-              <a:t>for</a:t>
-            </a:r>
-            <a:r>
-              <a:rPr lang="ko-KR" altLang="en-US" dirty="0" smtClean="0"/>
-              <a:t>문 </a:t>
-            </a:r>
-            <a:r>
-              <a:rPr lang="en-US" altLang="ko-KR" dirty="0" smtClean="0"/>
-              <a:t>- </a:t>
-            </a:r>
-            <a:r>
-              <a:rPr lang="ko-KR" altLang="en-US" dirty="0" smtClean="0"/>
-              <a:t>별 찍기</a:t>
-            </a:r>
-            <a:endParaRPr lang="ko-KR" altLang="en-US" dirty="0"/>
+        <p:spPr>
+          <a:xfrm>
+            <a:off x="416497" y="197768"/>
+            <a:ext cx="6412780" cy="854968"/>
+          </a:xfrm>
+        </p:spPr>
+        <p:txBody>
+          <a:bodyPr>
+            <a:noAutofit/>
+          </a:bodyPr>
+          <a:lstStyle/>
+          <a:p>
+            <a:pPr algn="ctr"/>
+            <a:r>
+              <a:rPr lang="ko-KR" altLang="en-US" sz="2800" dirty="0" err="1" smtClean="0"/>
+              <a:t>반복문</a:t>
+            </a:r>
+            <a:endParaRPr lang="ko-KR" altLang="en-US" sz="2800" dirty="0"/>
           </a:p>
         </p:txBody>
       </p:sp>
@@ -13910,21 +13801,22 @@
       </p:sp>
       <p:sp>
         <p:nvSpPr>
-          <p:cNvPr id="10" name="직사각형 9"/>
-          <p:cNvSpPr/>
+          <p:cNvPr id="31" name="TextBox 30"/>
+          <p:cNvSpPr txBox="1"/>
           <p:nvPr/>
         </p:nvSpPr>
         <p:spPr>
           <a:xfrm>
-            <a:off x="1136576" y="1398329"/>
-            <a:ext cx="3672408" cy="507831"/>
+            <a:off x="956556" y="1168876"/>
+            <a:ext cx="3060340" cy="1107996"/>
           </a:xfrm>
           <a:prstGeom prst="rect">
             <a:avLst/>
           </a:prstGeom>
-        </p:spPr>
-        <p:txBody>
-          <a:bodyPr wrap="square">
+          <a:noFill/>
+        </p:spPr>
+        <p:txBody>
+          <a:bodyPr wrap="square" rtlCol="0">
             <a:spAutoFit/>
           </a:bodyPr>
           <a:lstStyle/>
@@ -13935,32 +13827,60 @@
               </a:lnSpc>
             </a:pPr>
             <a:r>
-              <a:rPr lang="ko-KR" altLang="en-US" dirty="0"/>
-              <a:t>▣ </a:t>
-            </a:r>
-            <a:r>
-              <a:rPr lang="ko-KR" altLang="en-US" dirty="0" smtClean="0"/>
-              <a:t>달</a:t>
-            </a:r>
-            <a:r>
-              <a:rPr lang="ko-KR" altLang="en-US" dirty="0"/>
-              <a:t>러</a:t>
-            </a:r>
-            <a:r>
-              <a:rPr lang="ko-KR" altLang="en-US" dirty="0" smtClean="0"/>
-              <a:t>로 삼각형 </a:t>
-            </a:r>
-            <a:r>
-              <a:rPr lang="ko-KR" altLang="en-US" dirty="0" err="1" smtClean="0"/>
-              <a:t>모양만들기</a:t>
-            </a:r>
-            <a:endParaRPr lang="en-US" altLang="ko-KR" dirty="0"/>
+              <a:rPr lang="ko-KR" altLang="en-US" sz="2000" b="1" dirty="0"/>
+              <a:t> </a:t>
+            </a:r>
+            <a:r>
+              <a:rPr lang="ko-KR" altLang="en-US" sz="2000" b="1" dirty="0" smtClean="0"/>
+              <a:t>중첩 </a:t>
+            </a:r>
+            <a:r>
+              <a:rPr lang="en-US" altLang="ko-KR" sz="2000" b="1" dirty="0" smtClean="0"/>
+              <a:t>for</a:t>
+            </a:r>
+            <a:r>
+              <a:rPr lang="ko-KR" altLang="en-US" sz="2400" b="1" dirty="0" smtClean="0"/>
+              <a:t>문</a:t>
+            </a:r>
+            <a:endParaRPr lang="en-US" altLang="ko-KR" sz="2400" b="1" dirty="0" smtClean="0"/>
+          </a:p>
+          <a:p>
+            <a:pPr>
+              <a:lnSpc>
+                <a:spcPct val="150000"/>
+              </a:lnSpc>
+            </a:pPr>
+            <a:r>
+              <a:rPr lang="en-US" altLang="ko-KR" sz="2000" dirty="0" smtClean="0"/>
+              <a:t>  </a:t>
+            </a:r>
+            <a:r>
+              <a:rPr lang="en-US" altLang="ko-KR" b="1" dirty="0" smtClean="0"/>
+              <a:t>- </a:t>
+            </a:r>
+            <a:r>
+              <a:rPr lang="ko-KR" altLang="en-US" b="1" dirty="0" smtClean="0"/>
+              <a:t>행</a:t>
+            </a:r>
+            <a:r>
+              <a:rPr lang="en-US" altLang="ko-KR" b="1" dirty="0" smtClean="0"/>
+              <a:t>, </a:t>
+            </a:r>
+            <a:r>
+              <a:rPr lang="ko-KR" altLang="en-US" b="1" dirty="0" smtClean="0"/>
+              <a:t>열 구현하기</a:t>
+            </a:r>
+            <a:r>
+              <a:rPr lang="en-US" altLang="ko-KR" b="1" dirty="0" smtClean="0"/>
+              <a:t>   </a:t>
+            </a:r>
+            <a:endParaRPr lang="en-US" altLang="ko-KR" sz="2000" b="1" dirty="0" smtClean="0"/>
           </a:p>
         </p:txBody>
       </p:sp>
       <p:pic>
         <p:nvPicPr>
-          <p:cNvPr id="7" name="그림 6"/>
+          <p:cNvPr id="3" name="그림 2"/>
           <p:cNvPicPr>
             <a:picLocks noChangeAspect="1"/>
           </p:cNvPicPr>
@@ -13980,8 +13900,8 @@
         </p:blipFill>
         <p:spPr>
           <a:xfrm>
-            <a:off x="1856656" y="2214003"/>
-            <a:ext cx="2088232" cy="3235416"/>
+            <a:off x="1781815" y="2348881"/>
+            <a:ext cx="1370986" cy="1667416"/>
           </a:xfrm>
           <a:prstGeom prst="rect">
             <a:avLst/>
@@ -13989,7 +13909,7 @@
           <a:ln>
             <a:solidFill>
               <a:schemeClr val="bg1">
-                <a:lumMod val="85000"/>
+                <a:lumMod val="95000"/>
               </a:schemeClr>
             </a:solidFill>
           </a:ln>
@@ -13997,7 +13917,7 @@
       </p:pic>
       <p:pic>
         <p:nvPicPr>
-          <p:cNvPr id="11" name="그림 10"/>
+          <p:cNvPr id="6" name="그림 5"/>
           <p:cNvPicPr>
             <a:picLocks noChangeAspect="1"/>
           </p:cNvPicPr>
@@ -14017,8 +13937,8 @@
         </p:blipFill>
         <p:spPr>
           <a:xfrm>
-            <a:off x="4664968" y="2220163"/>
-            <a:ext cx="3513125" cy="2834886"/>
+            <a:off x="3909128" y="2348881"/>
+            <a:ext cx="3524002" cy="1286010"/>
           </a:xfrm>
           <a:prstGeom prst="rect">
             <a:avLst/>
@@ -14026,7 +13946,7 @@
           <a:ln>
             <a:solidFill>
               <a:schemeClr val="bg1">
-                <a:lumMod val="85000"/>
+                <a:lumMod val="95000"/>
               </a:schemeClr>
             </a:solidFill>
           </a:ln>
@@ -14035,7 +13955,7 @@
     </p:spTree>
     <p:extLst>
       <p:ext uri="{BB962C8B-B14F-4D97-AF65-F5344CB8AC3E}">
-        <p14:creationId xmlns:p14="http://schemas.microsoft.com/office/powerpoint/2010/main" val="2894530757"/>
+        <p14:creationId xmlns:p14="http://schemas.microsoft.com/office/powerpoint/2010/main" val="629726084"/>
       </p:ext>
     </p:extLst>
   </p:cSld>
@@ -14148,7 +14068,7 @@
         <p:spPr>
           <a:xfrm>
             <a:off x="1136576" y="1398329"/>
-            <a:ext cx="3672408" cy="454292"/>
+            <a:ext cx="3672408" cy="507831"/>
           </a:xfrm>
           <a:prstGeom prst="rect">
             <a:avLst/>
@@ -14170,12 +14090,20 @@
               <a:t>▣ </a:t>
             </a:r>
             <a:r>
-              <a:rPr lang="en-US" altLang="ko-KR" dirty="0" smtClean="0"/>
-              <a:t>1</a:t>
-            </a:r>
-            <a:r>
               <a:rPr lang="ko-KR" altLang="en-US" dirty="0" smtClean="0"/>
-              <a:t>부터 증가하는 숫자 출력</a:t>
+              <a:t>달</a:t>
+            </a:r>
+            <a:r>
+              <a:rPr lang="ko-KR" altLang="en-US" dirty="0"/>
+              <a:t>러</a:t>
+            </a:r>
+            <a:r>
+              <a:rPr lang="ko-KR" altLang="en-US" dirty="0" smtClean="0"/>
+              <a:t>로 삼각형 </a:t>
+            </a:r>
+            <a:r>
+              <a:rPr lang="ko-KR" altLang="en-US" dirty="0" err="1" smtClean="0"/>
+              <a:t>모양만들기</a:t>
             </a:r>
             <a:endParaRPr lang="en-US" altLang="ko-KR" dirty="0"/>
           </a:p>
@@ -14183,7 +14111,7 @@
       </p:sp>
       <p:pic>
         <p:nvPicPr>
-          <p:cNvPr id="8" name="그림 7"/>
+          <p:cNvPr id="7" name="그림 6"/>
           <p:cNvPicPr>
             <a:picLocks noChangeAspect="1"/>
           </p:cNvPicPr>
@@ -14203,8 +14131,8 @@
         </p:blipFill>
         <p:spPr>
           <a:xfrm>
-            <a:off x="1712640" y="2276872"/>
-            <a:ext cx="1872208" cy="1882328"/>
+            <a:off x="1856656" y="2214003"/>
+            <a:ext cx="2088232" cy="3235416"/>
           </a:xfrm>
           <a:prstGeom prst="rect">
             <a:avLst/>
@@ -14212,7 +14140,7 @@
           <a:ln>
             <a:solidFill>
               <a:schemeClr val="bg1">
-                <a:lumMod val="95000"/>
+                <a:lumMod val="85000"/>
               </a:schemeClr>
             </a:solidFill>
           </a:ln>
@@ -14220,7 +14148,7 @@
       </p:pic>
       <p:pic>
         <p:nvPicPr>
-          <p:cNvPr id="3" name="그림 2"/>
+          <p:cNvPr id="11" name="그림 10"/>
           <p:cNvPicPr>
             <a:picLocks noChangeAspect="1"/>
           </p:cNvPicPr>
@@ -14240,8 +14168,8 @@
         </p:blipFill>
         <p:spPr>
           <a:xfrm>
-            <a:off x="4376936" y="2564904"/>
-            <a:ext cx="3692474" cy="1224136"/>
+            <a:off x="4664968" y="2220163"/>
+            <a:ext cx="3513125" cy="2834886"/>
           </a:xfrm>
           <a:prstGeom prst="rect">
             <a:avLst/>
@@ -14258,7 +14186,7 @@
     </p:spTree>
     <p:extLst>
       <p:ext uri="{BB962C8B-B14F-4D97-AF65-F5344CB8AC3E}">
-        <p14:creationId xmlns:p14="http://schemas.microsoft.com/office/powerpoint/2010/main" val="2905565257"/>
+        <p14:creationId xmlns:p14="http://schemas.microsoft.com/office/powerpoint/2010/main" val="2894530757"/>
       </p:ext>
     </p:extLst>
   </p:cSld>
@@ -14312,8 +14240,12 @@
               <a:t> </a:t>
             </a:r>
             <a:r>
+              <a:rPr lang="en-US" altLang="ko-KR" dirty="0" smtClean="0"/>
+              <a:t>2</a:t>
+            </a:r>
+            <a:r>
               <a:rPr lang="ko-KR" altLang="en-US" dirty="0" smtClean="0"/>
-              <a:t>이중 </a:t>
+              <a:t>중 </a:t>
             </a:r>
             <a:r>
               <a:rPr lang="en-US" altLang="ko-KR" dirty="0" smtClean="0"/>
@@ -14325,11 +14257,11 @@
             </a:r>
             <a:r>
               <a:rPr lang="en-US" altLang="ko-KR" dirty="0" smtClean="0"/>
-              <a:t>– </a:t>
+              <a:t>- </a:t>
             </a:r>
             <a:r>
               <a:rPr lang="ko-KR" altLang="en-US" dirty="0" smtClean="0"/>
-              <a:t>구구단 전체</a:t>
+              <a:t>별 찍기</a:t>
             </a:r>
             <a:endParaRPr lang="ko-KR" altLang="en-US" dirty="0"/>
           </a:p>
@@ -14366,8 +14298,8 @@
         </p:nvSpPr>
         <p:spPr>
           <a:xfrm>
-            <a:off x="992560" y="1371678"/>
-            <a:ext cx="3672408" cy="507831"/>
+            <a:off x="1136576" y="1398329"/>
+            <a:ext cx="3672408" cy="454292"/>
           </a:xfrm>
           <a:prstGeom prst="rect">
             <a:avLst/>
@@ -14385,20 +14317,24 @@
               </a:lnSpc>
             </a:pPr>
             <a:r>
-              <a:rPr lang="ko-KR" altLang="en-US" sz="2000" dirty="0"/>
+              <a:rPr lang="ko-KR" altLang="en-US" dirty="0"/>
               <a:t>▣ </a:t>
             </a:r>
             <a:r>
-              <a:rPr lang="ko-KR" altLang="en-US" sz="2000" dirty="0" smtClean="0"/>
-              <a:t>구구단 전체 출력 프로그램</a:t>
-            </a:r>
-            <a:endParaRPr lang="en-US" altLang="ko-KR" sz="2000" dirty="0"/>
+              <a:rPr lang="en-US" altLang="ko-KR" dirty="0" smtClean="0"/>
+              <a:t>1</a:t>
+            </a:r>
+            <a:r>
+              <a:rPr lang="ko-KR" altLang="en-US" dirty="0" smtClean="0"/>
+              <a:t>부터 증가하는 숫자 출력</a:t>
+            </a:r>
+            <a:endParaRPr lang="en-US" altLang="ko-KR" dirty="0"/>
           </a:p>
         </p:txBody>
       </p:sp>
       <p:pic>
         <p:nvPicPr>
-          <p:cNvPr id="5" name="그림 4"/>
+          <p:cNvPr id="8" name="그림 7"/>
           <p:cNvPicPr>
             <a:picLocks noChangeAspect="1"/>
           </p:cNvPicPr>
@@ -14418,8 +14354,8 @@
         </p:blipFill>
         <p:spPr>
           <a:xfrm>
-            <a:off x="6393160" y="1605309"/>
-            <a:ext cx="1302881" cy="4896544"/>
+            <a:off x="1712640" y="2276872"/>
+            <a:ext cx="1872208" cy="1882328"/>
           </a:xfrm>
           <a:prstGeom prst="rect">
             <a:avLst/>
@@ -14427,7 +14363,7 @@
           <a:ln>
             <a:solidFill>
               <a:schemeClr val="bg1">
-                <a:lumMod val="85000"/>
+                <a:lumMod val="95000"/>
               </a:schemeClr>
             </a:solidFill>
           </a:ln>
@@ -14435,7 +14371,7 @@
       </p:pic>
       <p:pic>
         <p:nvPicPr>
-          <p:cNvPr id="6" name="그림 5"/>
+          <p:cNvPr id="3" name="그림 2"/>
           <p:cNvPicPr>
             <a:picLocks noChangeAspect="1"/>
           </p:cNvPicPr>
@@ -14455,8 +14391,8 @@
         </p:blipFill>
         <p:spPr>
           <a:xfrm>
-            <a:off x="1568624" y="2198451"/>
-            <a:ext cx="3936454" cy="1086533"/>
+            <a:off x="4376936" y="2564904"/>
+            <a:ext cx="3692474" cy="1224136"/>
           </a:xfrm>
           <a:prstGeom prst="rect">
             <a:avLst/>
@@ -14473,7 +14409,7 @@
     </p:spTree>
     <p:extLst>
       <p:ext uri="{BB962C8B-B14F-4D97-AF65-F5344CB8AC3E}">
-        <p14:creationId xmlns:p14="http://schemas.microsoft.com/office/powerpoint/2010/main" val="3832684300"/>
+        <p14:creationId xmlns:p14="http://schemas.microsoft.com/office/powerpoint/2010/main" val="2905565257"/>
       </p:ext>
     </p:extLst>
   </p:cSld>
@@ -14581,7 +14517,7 @@
         </p:nvSpPr>
         <p:spPr>
           <a:xfrm>
-            <a:off x="992560" y="1264985"/>
+            <a:off x="992560" y="1371678"/>
             <a:ext cx="3672408" cy="507831"/>
           </a:xfrm>
           <a:prstGeom prst="rect">
@@ -14633,8 +14569,8 @@
         </p:blipFill>
         <p:spPr>
           <a:xfrm>
-            <a:off x="1572005" y="1988840"/>
-            <a:ext cx="5867909" cy="2232854"/>
+            <a:off x="6393160" y="1605309"/>
+            <a:ext cx="1302881" cy="4896544"/>
           </a:xfrm>
           <a:prstGeom prst="rect">
             <a:avLst/>
@@ -14670,8 +14606,8 @@
         </p:blipFill>
         <p:spPr>
           <a:xfrm>
-            <a:off x="1712640" y="4509120"/>
-            <a:ext cx="5251634" cy="1224136"/>
+            <a:off x="1568624" y="2198451"/>
+            <a:ext cx="3936454" cy="1086533"/>
           </a:xfrm>
           <a:prstGeom prst="rect">
             <a:avLst/>
@@ -14688,7 +14624,7 @@
     </p:spTree>
     <p:extLst>
       <p:ext uri="{BB962C8B-B14F-4D97-AF65-F5344CB8AC3E}">
-        <p14:creationId xmlns:p14="http://schemas.microsoft.com/office/powerpoint/2010/main" val="3628560257"/>
+        <p14:creationId xmlns:p14="http://schemas.microsoft.com/office/powerpoint/2010/main" val="3832684300"/>
       </p:ext>
     </p:extLst>
   </p:cSld>
@@ -14797,7 +14733,7 @@
         <p:spPr>
           <a:xfrm>
             <a:off x="992560" y="1264985"/>
-            <a:ext cx="3672408" cy="494494"/>
+            <a:ext cx="3672408" cy="507831"/>
           </a:xfrm>
           <a:prstGeom prst="rect">
             <a:avLst/>
@@ -14820,7 +14756,7 @@
             </a:r>
             <a:r>
               <a:rPr lang="ko-KR" altLang="en-US" sz="2000" dirty="0" smtClean="0"/>
-              <a:t>구구단 출력 프로그램</a:t>
+              <a:t>구구단 전체 출력 프로그램</a:t>
             </a:r>
             <a:endParaRPr lang="en-US" altLang="ko-KR" sz="2000" dirty="0"/>
           </a:p>
@@ -14828,7 +14764,7 @@
       </p:sp>
       <p:pic>
         <p:nvPicPr>
-          <p:cNvPr id="3" name="그림 2"/>
+          <p:cNvPr id="5" name="그림 4"/>
           <p:cNvPicPr>
             <a:picLocks noChangeAspect="1"/>
           </p:cNvPicPr>
@@ -14848,8 +14784,8 @@
         </p:blipFill>
         <p:spPr>
           <a:xfrm>
-            <a:off x="1568624" y="1971728"/>
-            <a:ext cx="1748286" cy="4436440"/>
+            <a:off x="1572005" y="1988840"/>
+            <a:ext cx="5867909" cy="2232854"/>
           </a:xfrm>
           <a:prstGeom prst="rect">
             <a:avLst/>
@@ -14865,7 +14801,7 @@
       </p:pic>
       <p:pic>
         <p:nvPicPr>
-          <p:cNvPr id="8" name="그림 7"/>
+          <p:cNvPr id="6" name="그림 5"/>
           <p:cNvPicPr>
             <a:picLocks noChangeAspect="1"/>
           </p:cNvPicPr>
@@ -14885,8 +14821,8 @@
         </p:blipFill>
         <p:spPr>
           <a:xfrm>
-            <a:off x="3668053" y="2492896"/>
-            <a:ext cx="5464013" cy="2263336"/>
+            <a:off x="1712640" y="4509120"/>
+            <a:ext cx="5251634" cy="1224136"/>
           </a:xfrm>
           <a:prstGeom prst="rect">
             <a:avLst/>
@@ -14903,7 +14839,7 @@
     </p:spTree>
     <p:extLst>
       <p:ext uri="{BB962C8B-B14F-4D97-AF65-F5344CB8AC3E}">
-        <p14:creationId xmlns:p14="http://schemas.microsoft.com/office/powerpoint/2010/main" val="2153854087"/>
+        <p14:creationId xmlns:p14="http://schemas.microsoft.com/office/powerpoint/2010/main" val="3628560257"/>
       </p:ext>
     </p:extLst>
   </p:cSld>
@@ -15043,7 +14979,7 @@
       </p:sp>
       <p:pic>
         <p:nvPicPr>
-          <p:cNvPr id="6" name="그림 5"/>
+          <p:cNvPr id="3" name="그림 2"/>
           <p:cNvPicPr>
             <a:picLocks noChangeAspect="1"/>
           </p:cNvPicPr>
@@ -15063,8 +14999,8 @@
         </p:blipFill>
         <p:spPr>
           <a:xfrm>
-            <a:off x="1640632" y="2007225"/>
-            <a:ext cx="2592288" cy="4049016"/>
+            <a:off x="1568624" y="1971728"/>
+            <a:ext cx="1748286" cy="4436440"/>
           </a:xfrm>
           <a:prstGeom prst="rect">
             <a:avLst/>
@@ -15080,7 +15016,7 @@
       </p:pic>
       <p:pic>
         <p:nvPicPr>
-          <p:cNvPr id="7" name="그림 6"/>
+          <p:cNvPr id="8" name="그림 7"/>
           <p:cNvPicPr>
             <a:picLocks noChangeAspect="1"/>
           </p:cNvPicPr>
@@ -15100,8 +15036,8 @@
         </p:blipFill>
         <p:spPr>
           <a:xfrm>
-            <a:off x="4390664" y="2420888"/>
-            <a:ext cx="4877223" cy="2362405"/>
+            <a:off x="3668053" y="2492896"/>
+            <a:ext cx="5464013" cy="2263336"/>
           </a:xfrm>
           <a:prstGeom prst="rect">
             <a:avLst/>
@@ -15118,7 +15054,7 @@
     </p:spTree>
     <p:extLst>
       <p:ext uri="{BB962C8B-B14F-4D97-AF65-F5344CB8AC3E}">
-        <p14:creationId xmlns:p14="http://schemas.microsoft.com/office/powerpoint/2010/main" val="2680624037"/>
+        <p14:creationId xmlns:p14="http://schemas.microsoft.com/office/powerpoint/2010/main" val="2153854087"/>
       </p:ext>
     </p:extLst>
   </p:cSld>
@@ -15162,24 +15098,36 @@
             <p:ph type="title"/>
           </p:nvPr>
         </p:nvSpPr>
-        <p:spPr>
-          <a:xfrm>
-            <a:off x="416497" y="197768"/>
-            <a:ext cx="6412780" cy="854968"/>
-          </a:xfrm>
-        </p:spPr>
-        <p:txBody>
-          <a:bodyPr>
-            <a:noAutofit/>
-          </a:bodyPr>
-          <a:lstStyle/>
-          <a:p>
-            <a:pPr algn="ctr"/>
-            <a:r>
-              <a:rPr lang="ko-KR" altLang="en-US" sz="2800" dirty="0" smtClean="0"/>
-              <a:t>자리 배치도</a:t>
-            </a:r>
-            <a:endParaRPr lang="ko-KR" altLang="en-US" sz="2800" dirty="0"/>
+        <p:spPr/>
+        <p:txBody>
+          <a:bodyPr/>
+          <a:lstStyle/>
+          <a:p>
+            <a:r>
+              <a:rPr lang="en-US" altLang="ko-KR" dirty="0"/>
+              <a:t> </a:t>
+            </a:r>
+            <a:r>
+              <a:rPr lang="ko-KR" altLang="en-US" dirty="0" smtClean="0"/>
+              <a:t>이중 </a:t>
+            </a:r>
+            <a:r>
+              <a:rPr lang="en-US" altLang="ko-KR" dirty="0" smtClean="0"/>
+              <a:t>for</a:t>
+            </a:r>
+            <a:r>
+              <a:rPr lang="ko-KR" altLang="en-US" dirty="0" smtClean="0"/>
+              <a:t>문 </a:t>
+            </a:r>
+            <a:r>
+              <a:rPr lang="en-US" altLang="ko-KR" dirty="0" smtClean="0"/>
+              <a:t>– </a:t>
+            </a:r>
+            <a:r>
+              <a:rPr lang="ko-KR" altLang="en-US" dirty="0" smtClean="0"/>
+              <a:t>구구단 전체</a:t>
+            </a:r>
+            <a:endParaRPr lang="ko-KR" altLang="en-US" dirty="0"/>
           </a:p>
         </p:txBody>
       </p:sp>
@@ -15201,6 +15149,209 @@
             <a:fld id="{1BDE3FE7-3AEA-4B05-AC5A-802D1816ACF0}" type="slidenum">
               <a:rPr lang="ko-KR" altLang="en-US" smtClean="0"/>
               <a:t>36</a:t>
+            </a:fld>
+            <a:endParaRPr lang="ko-KR" altLang="en-US"/>
+          </a:p>
+        </p:txBody>
+      </p:sp>
+      <p:sp>
+        <p:nvSpPr>
+          <p:cNvPr id="10" name="직사각형 9"/>
+          <p:cNvSpPr/>
+          <p:nvPr/>
+        </p:nvSpPr>
+        <p:spPr>
+          <a:xfrm>
+            <a:off x="992560" y="1264985"/>
+            <a:ext cx="3672408" cy="494494"/>
+          </a:xfrm>
+          <a:prstGeom prst="rect">
+            <a:avLst/>
+          </a:prstGeom>
+        </p:spPr>
+        <p:txBody>
+          <a:bodyPr wrap="square">
+            <a:spAutoFit/>
+          </a:bodyPr>
+          <a:lstStyle/>
+          <a:p>
+            <a:pPr>
+              <a:lnSpc>
+                <a:spcPct val="150000"/>
+              </a:lnSpc>
+            </a:pPr>
+            <a:r>
+              <a:rPr lang="ko-KR" altLang="en-US" sz="2000" dirty="0"/>
+              <a:t>▣ </a:t>
+            </a:r>
+            <a:r>
+              <a:rPr lang="ko-KR" altLang="en-US" sz="2000" dirty="0" smtClean="0"/>
+              <a:t>구구단 출력 프로그램</a:t>
+            </a:r>
+            <a:endParaRPr lang="en-US" altLang="ko-KR" sz="2000" dirty="0"/>
+          </a:p>
+        </p:txBody>
+      </p:sp>
+      <p:pic>
+        <p:nvPicPr>
+          <p:cNvPr id="6" name="그림 5"/>
+          <p:cNvPicPr>
+            <a:picLocks noChangeAspect="1"/>
+          </p:cNvPicPr>
+          <p:nvPr/>
+        </p:nvPicPr>
+        <p:blipFill>
+          <a:blip r:embed="rId2">
+            <a:extLst>
+              <a:ext uri="{28A0092B-C50C-407E-A947-70E740481C1C}">
+                <a14:useLocalDpi xmlns:a14="http://schemas.microsoft.com/office/drawing/2010/main" val="0"/>
+              </a:ext>
+            </a:extLst>
+          </a:blip>
+          <a:stretch>
+            <a:fillRect/>
+          </a:stretch>
+        </p:blipFill>
+        <p:spPr>
+          <a:xfrm>
+            <a:off x="1640632" y="2007225"/>
+            <a:ext cx="2592288" cy="4049016"/>
+          </a:xfrm>
+          <a:prstGeom prst="rect">
+            <a:avLst/>
+          </a:prstGeom>
+          <a:ln>
+            <a:solidFill>
+              <a:schemeClr val="bg1">
+                <a:lumMod val="85000"/>
+              </a:schemeClr>
+            </a:solidFill>
+          </a:ln>
+        </p:spPr>
+      </p:pic>
+      <p:pic>
+        <p:nvPicPr>
+          <p:cNvPr id="7" name="그림 6"/>
+          <p:cNvPicPr>
+            <a:picLocks noChangeAspect="1"/>
+          </p:cNvPicPr>
+          <p:nvPr/>
+        </p:nvPicPr>
+        <p:blipFill>
+          <a:blip r:embed="rId3">
+            <a:extLst>
+              <a:ext uri="{28A0092B-C50C-407E-A947-70E740481C1C}">
+                <a14:useLocalDpi xmlns:a14="http://schemas.microsoft.com/office/drawing/2010/main" val="0"/>
+              </a:ext>
+            </a:extLst>
+          </a:blip>
+          <a:stretch>
+            <a:fillRect/>
+          </a:stretch>
+        </p:blipFill>
+        <p:spPr>
+          <a:xfrm>
+            <a:off x="4390664" y="2420888"/>
+            <a:ext cx="4877223" cy="2362405"/>
+          </a:xfrm>
+          <a:prstGeom prst="rect">
+            <a:avLst/>
+          </a:prstGeom>
+          <a:ln>
+            <a:solidFill>
+              <a:schemeClr val="bg1">
+                <a:lumMod val="85000"/>
+              </a:schemeClr>
+            </a:solidFill>
+          </a:ln>
+        </p:spPr>
+      </p:pic>
+    </p:spTree>
+    <p:extLst>
+      <p:ext uri="{BB962C8B-B14F-4D97-AF65-F5344CB8AC3E}">
+        <p14:creationId xmlns:p14="http://schemas.microsoft.com/office/powerpoint/2010/main" val="2680624037"/>
+      </p:ext>
+    </p:extLst>
+  </p:cSld>
+  <p:clrMapOvr>
+    <a:masterClrMapping/>
+  </p:clrMapOvr>
+  <p:timing>
+    <p:tnLst>
+      <p:par>
+        <p:cTn id="1" dur="indefinite" restart="never" nodeType="tmRoot"/>
+      </p:par>
+    </p:tnLst>
+  </p:timing>
+</p:sld>
+</file>
+
+<file path=ppt/slides/slide37.xml><?xml version="1.0" encoding="utf-8"?>
+<p:sld xmlns:a="http://schemas.openxmlformats.org/drawingml/2006/main" xmlns:r="http://schemas.openxmlformats.org/officeDocument/2006/relationships" xmlns:p="http://schemas.openxmlformats.org/presentationml/2006/main">
+  <p:cSld>
+    <p:spTree>
+      <p:nvGrpSpPr>
+        <p:cNvPr id="1" name=""/>
+        <p:cNvGrpSpPr/>
+        <p:nvPr/>
+      </p:nvGrpSpPr>
+      <p:grpSpPr>
+        <a:xfrm>
+          <a:off x="0" y="0"/>
+          <a:ext cx="0" cy="0"/>
+          <a:chOff x="0" y="0"/>
+          <a:chExt cx="0" cy="0"/>
+        </a:xfrm>
+      </p:grpSpPr>
+      <p:sp>
+        <p:nvSpPr>
+          <p:cNvPr id="2" name="제목 1"/>
+          <p:cNvSpPr>
+            <a:spLocks noGrp="1"/>
+          </p:cNvSpPr>
+          <p:nvPr>
+            <p:ph type="title"/>
+          </p:nvPr>
+        </p:nvSpPr>
+        <p:spPr>
+          <a:xfrm>
+            <a:off x="416497" y="197768"/>
+            <a:ext cx="6412780" cy="854968"/>
+          </a:xfrm>
+        </p:spPr>
+        <p:txBody>
+          <a:bodyPr>
+            <a:noAutofit/>
+          </a:bodyPr>
+          <a:lstStyle/>
+          <a:p>
+            <a:pPr algn="ctr"/>
+            <a:r>
+              <a:rPr lang="ko-KR" altLang="en-US" sz="2800" dirty="0" smtClean="0"/>
+              <a:t>자리 배치도</a:t>
+            </a:r>
+            <a:endParaRPr lang="ko-KR" altLang="en-US" sz="2800" dirty="0"/>
+          </a:p>
+        </p:txBody>
+      </p:sp>
+      <p:sp>
+        <p:nvSpPr>
+          <p:cNvPr id="4" name="슬라이드 번호 개체 틀 3"/>
+          <p:cNvSpPr>
+            <a:spLocks noGrp="1"/>
+          </p:cNvSpPr>
+          <p:nvPr>
+            <p:ph type="sldNum" sz="quarter" idx="12"/>
+          </p:nvPr>
+        </p:nvSpPr>
+        <p:spPr/>
+        <p:txBody>
+          <a:bodyPr/>
+          <a:lstStyle/>
+          <a:p>
+            <a:fld id="{1BDE3FE7-3AEA-4B05-AC5A-802D1816ACF0}" type="slidenum">
+              <a:rPr lang="ko-KR" altLang="en-US" smtClean="0"/>
+              <a:t>37</a:t>
             </a:fld>
             <a:endParaRPr lang="ko-KR" altLang="en-US"/>
           </a:p>
